--- a/p1.pptx
+++ b/p1.pptx
@@ -1,6 +1,6 @@
 
 <file path=ppt/presentation.xml><?xml version="1.0" encoding="utf-8"?>
-<p:presentation xmlns:a="http://schemas.openxmlformats.org/drawingml/2006/main" xmlns:r="http://schemas.openxmlformats.org/officeDocument/2006/relationships" xmlns:p="http://schemas.openxmlformats.org/presentationml/2006/main" saveSubsetFonts="1">
+<p:presentation xmlns:a="http://schemas.openxmlformats.org/drawingml/2006/main" xmlns:r="http://schemas.openxmlformats.org/officeDocument/2006/relationships" xmlns:p="http://schemas.openxmlformats.org/presentationml/2006/main" saveSubsetFonts="1" bookmarkIdSeed="2">
   <p:sldMasterIdLst>
     <p:sldMasterId id="2147483648" r:id="rId1"/>
   </p:sldMasterIdLst>
@@ -8,6 +8,10 @@
     <p:sldId id="258" r:id="rId2"/>
     <p:sldId id="256" r:id="rId3"/>
     <p:sldId id="257" r:id="rId4"/>
+    <p:sldId id="259" r:id="rId5"/>
+    <p:sldId id="260" r:id="rId6"/>
+    <p:sldId id="261" r:id="rId7"/>
+    <p:sldId id="262" r:id="rId8"/>
   </p:sldIdLst>
   <p:sldSz cx="12192000" cy="6858000"/>
   <p:notesSz cx="6858000" cy="9144000"/>
@@ -106,7 +110,214 @@
       </a:defRPr>
     </a:lvl9pPr>
   </p:defaultTextStyle>
+  <p:extLst>
+    <p:ext uri="{EFAFB233-063F-42B5-8137-9DF3F51BA10A}">
+      <p15:sldGuideLst xmlns:p15="http://schemas.microsoft.com/office/powerpoint/2012/main"/>
+    </p:ext>
+  </p:extLst>
 </p:presentation>
+</file>
+
+<file path=ppt/revisionInfo.xml><?xml version="1.0" encoding="utf-8"?>
+<p1510:revInfo xmlns:a="http://schemas.openxmlformats.org/drawingml/2006/main" xmlns:r="http://schemas.openxmlformats.org/officeDocument/2006/relationships" xmlns:p1510="http://schemas.microsoft.com/office/powerpoint/2015/10/main">
+  <p1510:revLst>
+    <p1510:client id="{D8B13C11-A40A-4863-9656-3369BE0678E5}" v="15" dt="2020-03-17T10:41:33.960"/>
+  </p1510:revLst>
+</p1510:revInfo>
+</file>
+
+<file path=ppt/changesInfos/changesInfo1.xml><?xml version="1.0" encoding="utf-8"?>
+<pc:chgInfo xmlns:a="http://schemas.openxmlformats.org/drawingml/2006/main" xmlns:r="http://schemas.openxmlformats.org/officeDocument/2006/relationships" xmlns:ac="http://schemas.microsoft.com/office/drawing/2013/main/command" xmlns:pc="http://schemas.microsoft.com/office/powerpoint/2013/main/command">
+  <pc:docChgLst>
+    <pc:chgData name="GHADEER .." userId="1640b4a6ac43c853" providerId="LiveId" clId="{D8B13C11-A40A-4863-9656-3369BE0678E5}"/>
+    <pc:docChg chg="custSel addSld modSld">
+      <pc:chgData name="GHADEER .." userId="1640b4a6ac43c853" providerId="LiveId" clId="{D8B13C11-A40A-4863-9656-3369BE0678E5}" dt="2020-03-17T10:41:33.960" v="25" actId="1076"/>
+      <pc:docMkLst>
+        <pc:docMk/>
+      </pc:docMkLst>
+      <pc:sldChg chg="addSp modSp add mod">
+        <pc:chgData name="GHADEER .." userId="1640b4a6ac43c853" providerId="LiveId" clId="{D8B13C11-A40A-4863-9656-3369BE0678E5}" dt="2020-03-17T10:37:36.281" v="8" actId="1076"/>
+        <pc:sldMkLst>
+          <pc:docMk/>
+          <pc:sldMk cId="4097951519" sldId="259"/>
+        </pc:sldMkLst>
+        <pc:spChg chg="mod">
+          <ac:chgData name="GHADEER .." userId="1640b4a6ac43c853" providerId="LiveId" clId="{D8B13C11-A40A-4863-9656-3369BE0678E5}" dt="2020-03-17T10:36:51.535" v="1"/>
+          <ac:spMkLst>
+            <pc:docMk/>
+            <pc:sldMk cId="4097951519" sldId="259"/>
+            <ac:spMk id="2" creationId="{827A685B-280B-4495-ACF7-BFBD1C0F0C33}"/>
+          </ac:spMkLst>
+        </pc:spChg>
+        <pc:spChg chg="mod">
+          <ac:chgData name="GHADEER .." userId="1640b4a6ac43c853" providerId="LiveId" clId="{D8B13C11-A40A-4863-9656-3369BE0678E5}" dt="2020-03-17T10:37:06.971" v="3" actId="1076"/>
+          <ac:spMkLst>
+            <pc:docMk/>
+            <pc:sldMk cId="4097951519" sldId="259"/>
+            <ac:spMk id="3" creationId="{439AF928-D8B5-4EB7-B562-ED66E86A14E3}"/>
+          </ac:spMkLst>
+        </pc:spChg>
+        <pc:spChg chg="add mod">
+          <ac:chgData name="GHADEER .." userId="1640b4a6ac43c853" providerId="LiveId" clId="{D8B13C11-A40A-4863-9656-3369BE0678E5}" dt="2020-03-17T10:37:28.348" v="7" actId="20577"/>
+          <ac:spMkLst>
+            <pc:docMk/>
+            <pc:sldMk cId="4097951519" sldId="259"/>
+            <ac:spMk id="4" creationId="{ADC38356-3C05-4A00-9415-5358B68DFB1A}"/>
+          </ac:spMkLst>
+        </pc:spChg>
+        <pc:spChg chg="add mod">
+          <ac:chgData name="GHADEER .." userId="1640b4a6ac43c853" providerId="LiveId" clId="{D8B13C11-A40A-4863-9656-3369BE0678E5}" dt="2020-03-17T10:37:06.971" v="3" actId="1076"/>
+          <ac:spMkLst>
+            <pc:docMk/>
+            <pc:sldMk cId="4097951519" sldId="259"/>
+            <ac:spMk id="5" creationId="{02973AD4-C2BD-4D24-AF70-17F389ECD131}"/>
+          </ac:spMkLst>
+        </pc:spChg>
+        <pc:picChg chg="add mod">
+          <ac:chgData name="GHADEER .." userId="1640b4a6ac43c853" providerId="LiveId" clId="{D8B13C11-A40A-4863-9656-3369BE0678E5}" dt="2020-03-17T10:37:36.281" v="8" actId="1076"/>
+          <ac:picMkLst>
+            <pc:docMk/>
+            <pc:sldMk cId="4097951519" sldId="259"/>
+            <ac:picMk id="2049" creationId="{6E4E54DE-1764-46A4-B153-BD23C27E9E88}"/>
+          </ac:picMkLst>
+        </pc:picChg>
+      </pc:sldChg>
+      <pc:sldChg chg="addSp delSp modSp add mod">
+        <pc:chgData name="GHADEER .." userId="1640b4a6ac43c853" providerId="LiveId" clId="{D8B13C11-A40A-4863-9656-3369BE0678E5}" dt="2020-03-17T10:40:07.872" v="13" actId="478"/>
+        <pc:sldMkLst>
+          <pc:docMk/>
+          <pc:sldMk cId="2713096399" sldId="260"/>
+        </pc:sldMkLst>
+        <pc:spChg chg="del">
+          <ac:chgData name="GHADEER .." userId="1640b4a6ac43c853" providerId="LiveId" clId="{D8B13C11-A40A-4863-9656-3369BE0678E5}" dt="2020-03-17T10:40:03.946" v="12" actId="478"/>
+          <ac:spMkLst>
+            <pc:docMk/>
+            <pc:sldMk cId="2713096399" sldId="260"/>
+            <ac:spMk id="2" creationId="{CD01E066-FA87-4607-A442-CC74DEDEC511}"/>
+          </ac:spMkLst>
+        </pc:spChg>
+        <pc:spChg chg="del mod">
+          <ac:chgData name="GHADEER .." userId="1640b4a6ac43c853" providerId="LiveId" clId="{D8B13C11-A40A-4863-9656-3369BE0678E5}" dt="2020-03-17T10:40:07.872" v="13" actId="478"/>
+          <ac:spMkLst>
+            <pc:docMk/>
+            <pc:sldMk cId="2713096399" sldId="260"/>
+            <ac:spMk id="3" creationId="{00CAFE84-770A-4C11-85A1-E7987A0BBDEC}"/>
+          </ac:spMkLst>
+        </pc:spChg>
+        <pc:spChg chg="add mod">
+          <ac:chgData name="GHADEER .." userId="1640b4a6ac43c853" providerId="LiveId" clId="{D8B13C11-A40A-4863-9656-3369BE0678E5}" dt="2020-03-17T10:39:59.132" v="11" actId="1076"/>
+          <ac:spMkLst>
+            <pc:docMk/>
+            <pc:sldMk cId="2713096399" sldId="260"/>
+            <ac:spMk id="4" creationId="{D97042C9-E4B5-40FC-A31C-D45C6EB1DC65}"/>
+          </ac:spMkLst>
+        </pc:spChg>
+        <pc:spChg chg="add mod">
+          <ac:chgData name="GHADEER .." userId="1640b4a6ac43c853" providerId="LiveId" clId="{D8B13C11-A40A-4863-9656-3369BE0678E5}" dt="2020-03-17T10:39:59.132" v="11" actId="1076"/>
+          <ac:spMkLst>
+            <pc:docMk/>
+            <pc:sldMk cId="2713096399" sldId="260"/>
+            <ac:spMk id="5" creationId="{DCC9CFC8-DE10-42A7-912C-F4B086DBEA7D}"/>
+          </ac:spMkLst>
+        </pc:spChg>
+        <pc:picChg chg="add mod">
+          <ac:chgData name="GHADEER .." userId="1640b4a6ac43c853" providerId="LiveId" clId="{D8B13C11-A40A-4863-9656-3369BE0678E5}" dt="2020-03-17T10:39:59.132" v="11" actId="1076"/>
+          <ac:picMkLst>
+            <pc:docMk/>
+            <pc:sldMk cId="2713096399" sldId="260"/>
+            <ac:picMk id="3073" creationId="{72F10511-1C2B-4104-8DC2-5C3EC8063A1E}"/>
+          </ac:picMkLst>
+        </pc:picChg>
+      </pc:sldChg>
+      <pc:sldChg chg="addSp delSp modSp add mod">
+        <pc:chgData name="GHADEER .." userId="1640b4a6ac43c853" providerId="LiveId" clId="{D8B13C11-A40A-4863-9656-3369BE0678E5}" dt="2020-03-17T10:40:48.869" v="18" actId="1076"/>
+        <pc:sldMkLst>
+          <pc:docMk/>
+          <pc:sldMk cId="300604263" sldId="261"/>
+        </pc:sldMkLst>
+        <pc:spChg chg="del">
+          <ac:chgData name="GHADEER .." userId="1640b4a6ac43c853" providerId="LiveId" clId="{D8B13C11-A40A-4863-9656-3369BE0678E5}" dt="2020-03-17T10:40:42.102" v="15" actId="478"/>
+          <ac:spMkLst>
+            <pc:docMk/>
+            <pc:sldMk cId="300604263" sldId="261"/>
+            <ac:spMk id="2" creationId="{62C5E64B-135F-4C85-9F30-597B5AC6978A}"/>
+          </ac:spMkLst>
+        </pc:spChg>
+        <pc:spChg chg="del">
+          <ac:chgData name="GHADEER .." userId="1640b4a6ac43c853" providerId="LiveId" clId="{D8B13C11-A40A-4863-9656-3369BE0678E5}" dt="2020-03-17T10:40:45.107" v="16" actId="478"/>
+          <ac:spMkLst>
+            <pc:docMk/>
+            <pc:sldMk cId="300604263" sldId="261"/>
+            <ac:spMk id="3" creationId="{FA5680C5-B886-4700-B02D-AC71356575E7}"/>
+          </ac:spMkLst>
+        </pc:spChg>
+        <pc:spChg chg="add mod">
+          <ac:chgData name="GHADEER .." userId="1640b4a6ac43c853" providerId="LiveId" clId="{D8B13C11-A40A-4863-9656-3369BE0678E5}" dt="2020-03-17T10:40:48.869" v="18" actId="1076"/>
+          <ac:spMkLst>
+            <pc:docMk/>
+            <pc:sldMk cId="300604263" sldId="261"/>
+            <ac:spMk id="4" creationId="{9227B7FE-54BE-4AD0-A889-D0E214589CE2}"/>
+          </ac:spMkLst>
+        </pc:spChg>
+        <pc:spChg chg="add mod">
+          <ac:chgData name="GHADEER .." userId="1640b4a6ac43c853" providerId="LiveId" clId="{D8B13C11-A40A-4863-9656-3369BE0678E5}" dt="2020-03-17T10:40:48.869" v="18" actId="1076"/>
+          <ac:spMkLst>
+            <pc:docMk/>
+            <pc:sldMk cId="300604263" sldId="261"/>
+            <ac:spMk id="5" creationId="{A46B021C-F274-47EE-AB59-FE5F13282604}"/>
+          </ac:spMkLst>
+        </pc:spChg>
+        <pc:picChg chg="add mod">
+          <ac:chgData name="GHADEER .." userId="1640b4a6ac43c853" providerId="LiveId" clId="{D8B13C11-A40A-4863-9656-3369BE0678E5}" dt="2020-03-17T10:40:48.869" v="18" actId="1076"/>
+          <ac:picMkLst>
+            <pc:docMk/>
+            <pc:sldMk cId="300604263" sldId="261"/>
+            <ac:picMk id="4097" creationId="{1F2714E9-0B06-4EB5-86E8-30D12DBBB4B0}"/>
+          </ac:picMkLst>
+        </pc:picChg>
+      </pc:sldChg>
+      <pc:sldChg chg="addSp delSp modSp add mod">
+        <pc:chgData name="GHADEER .." userId="1640b4a6ac43c853" providerId="LiveId" clId="{D8B13C11-A40A-4863-9656-3369BE0678E5}" dt="2020-03-17T10:41:33.960" v="25" actId="1076"/>
+        <pc:sldMkLst>
+          <pc:docMk/>
+          <pc:sldMk cId="3766592378" sldId="262"/>
+        </pc:sldMkLst>
+        <pc:spChg chg="del mod">
+          <ac:chgData name="GHADEER .." userId="1640b4a6ac43c853" providerId="LiveId" clId="{D8B13C11-A40A-4863-9656-3369BE0678E5}" dt="2020-03-17T10:41:18.665" v="21" actId="478"/>
+          <ac:spMkLst>
+            <pc:docMk/>
+            <pc:sldMk cId="3766592378" sldId="262"/>
+            <ac:spMk id="2" creationId="{1EDDBEAB-63E9-46C4-AFB4-32C7077906D2}"/>
+          </ac:spMkLst>
+        </pc:spChg>
+        <pc:spChg chg="del">
+          <ac:chgData name="GHADEER .." userId="1640b4a6ac43c853" providerId="LiveId" clId="{D8B13C11-A40A-4863-9656-3369BE0678E5}" dt="2020-03-17T10:41:22.897" v="22" actId="478"/>
+          <ac:spMkLst>
+            <pc:docMk/>
+            <pc:sldMk cId="3766592378" sldId="262"/>
+            <ac:spMk id="3" creationId="{DFB1588D-E046-4912-B1FF-815ED26F7C36}"/>
+          </ac:spMkLst>
+        </pc:spChg>
+        <pc:spChg chg="add mod">
+          <ac:chgData name="GHADEER .." userId="1640b4a6ac43c853" providerId="LiveId" clId="{D8B13C11-A40A-4863-9656-3369BE0678E5}" dt="2020-03-17T10:41:33.960" v="25" actId="1076"/>
+          <ac:spMkLst>
+            <pc:docMk/>
+            <pc:sldMk cId="3766592378" sldId="262"/>
+            <ac:spMk id="5" creationId="{E2291712-4DF7-4299-963E-0172E19B9C44}"/>
+          </ac:spMkLst>
+        </pc:spChg>
+        <pc:graphicFrameChg chg="add mod">
+          <ac:chgData name="GHADEER .." userId="1640b4a6ac43c853" providerId="LiveId" clId="{D8B13C11-A40A-4863-9656-3369BE0678E5}" dt="2020-03-17T10:41:29.867" v="24" actId="1076"/>
+          <ac:graphicFrameMkLst>
+            <pc:docMk/>
+            <pc:sldMk cId="3766592378" sldId="262"/>
+            <ac:graphicFrameMk id="4" creationId="{241EDFA4-94EC-4695-A32F-D62DBC4769B1}"/>
+          </ac:graphicFrameMkLst>
+        </pc:graphicFrameChg>
+      </pc:sldChg>
+    </pc:docChg>
+  </pc:docChgLst>
+</pc:chgInfo>
 </file>
 
 <file path=ppt/slideLayouts/slideLayout1.xml><?xml version="1.0" encoding="utf-8"?>
@@ -3587,6 +3798,1993 @@
 </p:sld>
 </file>
 
+<file path=ppt/slides/slide4.xml><?xml version="1.0" encoding="utf-8"?>
+<p:sld xmlns:a="http://schemas.openxmlformats.org/drawingml/2006/main" xmlns:r="http://schemas.openxmlformats.org/officeDocument/2006/relationships" xmlns:p="http://schemas.openxmlformats.org/presentationml/2006/main">
+  <p:cSld>
+    <p:spTree>
+      <p:nvGrpSpPr>
+        <p:cNvPr id="1" name=""/>
+        <p:cNvGrpSpPr/>
+        <p:nvPr/>
+      </p:nvGrpSpPr>
+      <p:grpSpPr>
+        <a:xfrm>
+          <a:off x="0" y="0"/>
+          <a:ext cx="0" cy="0"/>
+          <a:chOff x="0" y="0"/>
+          <a:chExt cx="0" cy="0"/>
+        </a:xfrm>
+      </p:grpSpPr>
+      <p:sp>
+        <p:nvSpPr>
+          <p:cNvPr id="2" name="Title 1">
+            <a:extLst>
+              <a:ext uri="{FF2B5EF4-FFF2-40B4-BE49-F238E27FC236}">
+                <a16:creationId xmlns:a16="http://schemas.microsoft.com/office/drawing/2014/main" id="{827A685B-280B-4495-ACF7-BFBD1C0F0C33}"/>
+              </a:ext>
+            </a:extLst>
+          </p:cNvPr>
+          <p:cNvSpPr>
+            <a:spLocks noGrp="1"/>
+          </p:cNvSpPr>
+          <p:nvPr>
+            <p:ph type="title"/>
+          </p:nvPr>
+        </p:nvSpPr>
+        <p:spPr/>
+        <p:txBody>
+          <a:bodyPr/>
+          <a:lstStyle/>
+          <a:p>
+            <a:r>
+              <a:rPr lang="en-US" b="1" dirty="0"/>
+              <a:t>2.1 MCTS Algorithm explanation.</a:t>
+            </a:r>
+            <a:br>
+              <a:rPr lang="en-US" dirty="0"/>
+            </a:br>
+            <a:endParaRPr lang="en-US" dirty="0"/>
+          </a:p>
+        </p:txBody>
+      </p:sp>
+      <p:sp>
+        <p:nvSpPr>
+          <p:cNvPr id="3" name="Content Placeholder 2">
+            <a:extLst>
+              <a:ext uri="{FF2B5EF4-FFF2-40B4-BE49-F238E27FC236}">
+                <a16:creationId xmlns:a16="http://schemas.microsoft.com/office/drawing/2014/main" id="{439AF928-D8B5-4EB7-B562-ED66E86A14E3}"/>
+              </a:ext>
+            </a:extLst>
+          </p:cNvPr>
+          <p:cNvSpPr>
+            <a:spLocks noGrp="1"/>
+          </p:cNvSpPr>
+          <p:nvPr>
+            <p:ph idx="1"/>
+          </p:nvPr>
+        </p:nvSpPr>
+        <p:spPr>
+          <a:xfrm>
+            <a:off x="1280651" y="3197225"/>
+            <a:ext cx="10515600" cy="4351338"/>
+          </a:xfrm>
+        </p:spPr>
+        <p:txBody>
+          <a:bodyPr/>
+          <a:lstStyle/>
+          <a:p>
+            <a:endParaRPr lang="en-US" dirty="0"/>
+          </a:p>
+        </p:txBody>
+      </p:sp>
+      <p:sp>
+        <p:nvSpPr>
+          <p:cNvPr id="4" name="Rectangle 2">
+            <a:extLst>
+              <a:ext uri="{FF2B5EF4-FFF2-40B4-BE49-F238E27FC236}">
+                <a16:creationId xmlns:a16="http://schemas.microsoft.com/office/drawing/2014/main" id="{ADC38356-3C05-4A00-9415-5358B68DFB1A}"/>
+              </a:ext>
+            </a:extLst>
+          </p:cNvPr>
+          <p:cNvSpPr>
+            <a:spLocks noChangeArrowheads="1"/>
+          </p:cNvSpPr>
+          <p:nvPr/>
+        </p:nvSpPr>
+        <p:spPr bwMode="auto">
+          <a:xfrm>
+            <a:off x="442451" y="953869"/>
+            <a:ext cx="9017212" cy="1292662"/>
+          </a:xfrm>
+          <a:prstGeom prst="rect">
+            <a:avLst/>
+          </a:prstGeom>
+          <a:noFill/>
+          <a:ln>
+            <a:noFill/>
+          </a:ln>
+          <a:effectLst/>
+          <a:extLst>
+            <a:ext uri="{909E8E84-426E-40DD-AFC4-6F175D3DCCD1}">
+              <a14:hiddenFill xmlns:a14="http://schemas.microsoft.com/office/drawing/2010/main">
+                <a:solidFill>
+                  <a:schemeClr val="accent1"/>
+                </a:solidFill>
+              </a14:hiddenFill>
+            </a:ext>
+            <a:ext uri="{91240B29-F687-4F45-9708-019B960494DF}">
+              <a14:hiddenLine xmlns:a14="http://schemas.microsoft.com/office/drawing/2010/main" w="9525">
+                <a:solidFill>
+                  <a:schemeClr val="tx1"/>
+                </a:solidFill>
+                <a:miter lim="800000"/>
+                <a:headEnd/>
+                <a:tailEnd/>
+              </a14:hiddenLine>
+            </a:ext>
+            <a:ext uri="{AF507438-7753-43E0-B8FC-AC1667EBCBE1}">
+              <a14:hiddenEffects xmlns:a14="http://schemas.microsoft.com/office/drawing/2010/main">
+                <a:effectLst>
+                  <a:outerShdw dist="35921" dir="2700000" algn="ctr" rotWithShape="0">
+                    <a:schemeClr val="bg2"/>
+                  </a:outerShdw>
+                </a:effectLst>
+              </a14:hiddenEffects>
+            </a:ext>
+          </a:extLst>
+        </p:spPr>
+        <p:txBody>
+          <a:bodyPr vert="horz" wrap="none" lIns="91440" tIns="45720" rIns="91440" bIns="45720" numCol="1" anchor="ctr" anchorCtr="0" compatLnSpc="1">
+            <a:prstTxWarp prst="textNoShape">
+              <a:avLst/>
+            </a:prstTxWarp>
+            <a:spAutoFit/>
+          </a:bodyPr>
+          <a:lstStyle>
+            <a:lvl1pPr indent="457200" eaLnBrk="0" fontAlgn="base" hangingPunct="0">
+              <a:spcBef>
+                <a:spcPct val="0"/>
+              </a:spcBef>
+              <a:spcAft>
+                <a:spcPct val="0"/>
+              </a:spcAft>
+              <a:defRPr>
+                <a:solidFill>
+                  <a:schemeClr val="tx1"/>
+                </a:solidFill>
+                <a:latin typeface="Arial" panose="020B0604020202020204" pitchFamily="34" charset="0"/>
+              </a:defRPr>
+            </a:lvl1pPr>
+            <a:lvl2pPr eaLnBrk="0" fontAlgn="base" hangingPunct="0">
+              <a:spcBef>
+                <a:spcPct val="0"/>
+              </a:spcBef>
+              <a:spcAft>
+                <a:spcPct val="0"/>
+              </a:spcAft>
+              <a:defRPr>
+                <a:solidFill>
+                  <a:schemeClr val="tx1"/>
+                </a:solidFill>
+                <a:latin typeface="Arial" panose="020B0604020202020204" pitchFamily="34" charset="0"/>
+              </a:defRPr>
+            </a:lvl2pPr>
+            <a:lvl3pPr eaLnBrk="0" fontAlgn="base" hangingPunct="0">
+              <a:spcBef>
+                <a:spcPct val="0"/>
+              </a:spcBef>
+              <a:spcAft>
+                <a:spcPct val="0"/>
+              </a:spcAft>
+              <a:defRPr>
+                <a:solidFill>
+                  <a:schemeClr val="tx1"/>
+                </a:solidFill>
+                <a:latin typeface="Arial" panose="020B0604020202020204" pitchFamily="34" charset="0"/>
+              </a:defRPr>
+            </a:lvl3pPr>
+            <a:lvl4pPr eaLnBrk="0" fontAlgn="base" hangingPunct="0">
+              <a:spcBef>
+                <a:spcPct val="0"/>
+              </a:spcBef>
+              <a:spcAft>
+                <a:spcPct val="0"/>
+              </a:spcAft>
+              <a:defRPr>
+                <a:solidFill>
+                  <a:schemeClr val="tx1"/>
+                </a:solidFill>
+                <a:latin typeface="Arial" panose="020B0604020202020204" pitchFamily="34" charset="0"/>
+              </a:defRPr>
+            </a:lvl4pPr>
+            <a:lvl5pPr eaLnBrk="0" fontAlgn="base" hangingPunct="0">
+              <a:spcBef>
+                <a:spcPct val="0"/>
+              </a:spcBef>
+              <a:spcAft>
+                <a:spcPct val="0"/>
+              </a:spcAft>
+              <a:defRPr>
+                <a:solidFill>
+                  <a:schemeClr val="tx1"/>
+                </a:solidFill>
+                <a:latin typeface="Arial" panose="020B0604020202020204" pitchFamily="34" charset="0"/>
+              </a:defRPr>
+            </a:lvl5pPr>
+            <a:lvl6pPr eaLnBrk="0" fontAlgn="base" hangingPunct="0">
+              <a:spcBef>
+                <a:spcPct val="0"/>
+              </a:spcBef>
+              <a:spcAft>
+                <a:spcPct val="0"/>
+              </a:spcAft>
+              <a:defRPr>
+                <a:solidFill>
+                  <a:schemeClr val="tx1"/>
+                </a:solidFill>
+                <a:latin typeface="Arial" panose="020B0604020202020204" pitchFamily="34" charset="0"/>
+              </a:defRPr>
+            </a:lvl6pPr>
+            <a:lvl7pPr eaLnBrk="0" fontAlgn="base" hangingPunct="0">
+              <a:spcBef>
+                <a:spcPct val="0"/>
+              </a:spcBef>
+              <a:spcAft>
+                <a:spcPct val="0"/>
+              </a:spcAft>
+              <a:defRPr>
+                <a:solidFill>
+                  <a:schemeClr val="tx1"/>
+                </a:solidFill>
+                <a:latin typeface="Arial" panose="020B0604020202020204" pitchFamily="34" charset="0"/>
+              </a:defRPr>
+            </a:lvl7pPr>
+            <a:lvl8pPr eaLnBrk="0" fontAlgn="base" hangingPunct="0">
+              <a:spcBef>
+                <a:spcPct val="0"/>
+              </a:spcBef>
+              <a:spcAft>
+                <a:spcPct val="0"/>
+              </a:spcAft>
+              <a:defRPr>
+                <a:solidFill>
+                  <a:schemeClr val="tx1"/>
+                </a:solidFill>
+                <a:latin typeface="Arial" panose="020B0604020202020204" pitchFamily="34" charset="0"/>
+              </a:defRPr>
+            </a:lvl8pPr>
+            <a:lvl9pPr eaLnBrk="0" fontAlgn="base" hangingPunct="0">
+              <a:spcBef>
+                <a:spcPct val="0"/>
+              </a:spcBef>
+              <a:spcAft>
+                <a:spcPct val="0"/>
+              </a:spcAft>
+              <a:defRPr>
+                <a:solidFill>
+                  <a:schemeClr val="tx1"/>
+                </a:solidFill>
+                <a:latin typeface="Arial" panose="020B0604020202020204" pitchFamily="34" charset="0"/>
+              </a:defRPr>
+            </a:lvl9pPr>
+          </a:lstStyle>
+          <a:p>
+            <a:pPr marL="0" marR="0" lvl="0" indent="457200" algn="l" defTabSz="914400" rtl="0" eaLnBrk="0" fontAlgn="base" latinLnBrk="0" hangingPunct="0">
+              <a:lnSpc>
+                <a:spcPct val="100000"/>
+              </a:lnSpc>
+              <a:spcBef>
+                <a:spcPct val="0"/>
+              </a:spcBef>
+              <a:spcAft>
+                <a:spcPct val="0"/>
+              </a:spcAft>
+              <a:buClrTx/>
+              <a:buSzTx/>
+              <a:buFontTx/>
+              <a:buNone/>
+              <a:tabLst/>
+            </a:pPr>
+            <a:r>
+              <a:rPr kumimoji="0" lang="en-US" altLang="en-US" sz="1200" b="0" i="0" u="none" strike="noStrike" cap="none" normalizeH="0" baseline="0" dirty="0">
+                <a:ln>
+                  <a:noFill/>
+                </a:ln>
+                <a:solidFill>
+                  <a:schemeClr val="tx1"/>
+                </a:solidFill>
+                <a:effectLst/>
+                <a:latin typeface="Arial" panose="020B0604020202020204" pitchFamily="34" charset="0"/>
+                <a:ea typeface="Times New Roman" panose="02020603050405020304" pitchFamily="18" charset="0"/>
+                <a:cs typeface="Calibri" panose="020F0502020204030204" pitchFamily="34" charset="0"/>
+              </a:rPr>
+              <a:t>Monte Carlo algorithm is a tree search algorithm that starts from any state and tries to improve it by producing</a:t>
+            </a:r>
+            <a:endParaRPr kumimoji="0" lang="ar-YE" altLang="en-US" sz="1200" b="0" i="0" u="none" strike="noStrike" cap="none" normalizeH="0" baseline="0" dirty="0">
+              <a:ln>
+                <a:noFill/>
+              </a:ln>
+              <a:solidFill>
+                <a:schemeClr val="tx1"/>
+              </a:solidFill>
+              <a:effectLst/>
+              <a:latin typeface="Arial" panose="020B0604020202020204" pitchFamily="34" charset="0"/>
+              <a:ea typeface="Times New Roman" panose="02020603050405020304" pitchFamily="18" charset="0"/>
+              <a:cs typeface="Calibri" panose="020F0502020204030204" pitchFamily="34" charset="0"/>
+            </a:endParaRPr>
+          </a:p>
+          <a:p>
+            <a:pPr marL="0" marR="0" lvl="0" indent="457200" algn="l" defTabSz="914400" rtl="0" eaLnBrk="0" fontAlgn="base" latinLnBrk="0" hangingPunct="0">
+              <a:lnSpc>
+                <a:spcPct val="100000"/>
+              </a:lnSpc>
+              <a:spcBef>
+                <a:spcPct val="0"/>
+              </a:spcBef>
+              <a:spcAft>
+                <a:spcPct val="0"/>
+              </a:spcAft>
+              <a:buClrTx/>
+              <a:buSzTx/>
+              <a:buFontTx/>
+              <a:buNone/>
+              <a:tabLst/>
+            </a:pPr>
+            <a:r>
+              <a:rPr kumimoji="0" lang="en-US" altLang="en-US" sz="1200" b="0" i="0" u="none" strike="noStrike" cap="none" normalizeH="0" baseline="0" dirty="0">
+                <a:ln>
+                  <a:noFill/>
+                </a:ln>
+                <a:solidFill>
+                  <a:schemeClr val="tx1"/>
+                </a:solidFill>
+                <a:effectLst/>
+                <a:latin typeface="Arial" panose="020B0604020202020204" pitchFamily="34" charset="0"/>
+                <a:ea typeface="Times New Roman" panose="02020603050405020304" pitchFamily="18" charset="0"/>
+                <a:cs typeface="Calibri" panose="020F0502020204030204" pitchFamily="34" charset="0"/>
+              </a:rPr>
+              <a:t> its successors and choose the one that is more optimal than the current node and the other successors. </a:t>
+            </a:r>
+            <a:endParaRPr kumimoji="0" lang="ar-YE" altLang="en-US" sz="1200" b="0" i="0" u="none" strike="noStrike" cap="none" normalizeH="0" baseline="0" dirty="0">
+              <a:ln>
+                <a:noFill/>
+              </a:ln>
+              <a:solidFill>
+                <a:schemeClr val="tx1"/>
+              </a:solidFill>
+              <a:effectLst/>
+              <a:latin typeface="Arial" panose="020B0604020202020204" pitchFamily="34" charset="0"/>
+              <a:ea typeface="Times New Roman" panose="02020603050405020304" pitchFamily="18" charset="0"/>
+              <a:cs typeface="Calibri" panose="020F0502020204030204" pitchFamily="34" charset="0"/>
+            </a:endParaRPr>
+          </a:p>
+          <a:p>
+            <a:pPr marL="0" marR="0" lvl="0" indent="457200" algn="l" defTabSz="914400" rtl="0" eaLnBrk="0" fontAlgn="base" latinLnBrk="0" hangingPunct="0">
+              <a:lnSpc>
+                <a:spcPct val="100000"/>
+              </a:lnSpc>
+              <a:spcBef>
+                <a:spcPct val="0"/>
+              </a:spcBef>
+              <a:spcAft>
+                <a:spcPct val="0"/>
+              </a:spcAft>
+              <a:buClrTx/>
+              <a:buSzTx/>
+              <a:buFontTx/>
+              <a:buNone/>
+              <a:tabLst/>
+            </a:pPr>
+            <a:r>
+              <a:rPr kumimoji="0" lang="en-US" altLang="en-US" sz="1200" b="0" i="0" u="none" strike="noStrike" cap="none" normalizeH="0" baseline="0" dirty="0">
+                <a:ln>
+                  <a:noFill/>
+                </a:ln>
+                <a:solidFill>
+                  <a:schemeClr val="tx1"/>
+                </a:solidFill>
+                <a:effectLst/>
+                <a:latin typeface="Arial" panose="020B0604020202020204" pitchFamily="34" charset="0"/>
+                <a:ea typeface="Times New Roman" panose="02020603050405020304" pitchFamily="18" charset="0"/>
+                <a:cs typeface="Calibri" panose="020F0502020204030204" pitchFamily="34" charset="0"/>
+              </a:rPr>
+              <a:t>It becomes useful as it continues to evaluate other alternatives periodically during the learning phase by executing them,</a:t>
+            </a:r>
+            <a:endParaRPr kumimoji="0" lang="ar-YE" altLang="en-US" sz="1200" b="0" i="0" u="none" strike="noStrike" cap="none" normalizeH="0" baseline="0" dirty="0">
+              <a:ln>
+                <a:noFill/>
+              </a:ln>
+              <a:solidFill>
+                <a:schemeClr val="tx1"/>
+              </a:solidFill>
+              <a:effectLst/>
+              <a:latin typeface="Arial" panose="020B0604020202020204" pitchFamily="34" charset="0"/>
+              <a:ea typeface="Times New Roman" panose="02020603050405020304" pitchFamily="18" charset="0"/>
+              <a:cs typeface="Calibri" panose="020F0502020204030204" pitchFamily="34" charset="0"/>
+            </a:endParaRPr>
+          </a:p>
+          <a:p>
+            <a:pPr marL="0" marR="0" lvl="0" indent="457200" algn="l" defTabSz="914400" rtl="0" eaLnBrk="0" fontAlgn="base" latinLnBrk="0" hangingPunct="0">
+              <a:lnSpc>
+                <a:spcPct val="100000"/>
+              </a:lnSpc>
+              <a:spcBef>
+                <a:spcPct val="0"/>
+              </a:spcBef>
+              <a:spcAft>
+                <a:spcPct val="0"/>
+              </a:spcAft>
+              <a:buClrTx/>
+              <a:buSzTx/>
+              <a:buFontTx/>
+              <a:buNone/>
+              <a:tabLst/>
+            </a:pPr>
+            <a:r>
+              <a:rPr kumimoji="0" lang="en-US" altLang="en-US" sz="1200" b="0" i="0" u="none" strike="noStrike" cap="none" normalizeH="0" baseline="0" dirty="0">
+                <a:ln>
+                  <a:noFill/>
+                </a:ln>
+                <a:solidFill>
+                  <a:schemeClr val="tx1"/>
+                </a:solidFill>
+                <a:effectLst/>
+                <a:latin typeface="Arial" panose="020B0604020202020204" pitchFamily="34" charset="0"/>
+                <a:ea typeface="Times New Roman" panose="02020603050405020304" pitchFamily="18" charset="0"/>
+                <a:cs typeface="Calibri" panose="020F0502020204030204" pitchFamily="34" charset="0"/>
+              </a:rPr>
+              <a:t> instead of the current perceived optimal strategy. The process of Monte Carlo Tree Search can be broken down into </a:t>
+            </a:r>
+            <a:endParaRPr kumimoji="0" lang="ar-YE" altLang="en-US" sz="1200" b="0" i="0" u="none" strike="noStrike" cap="none" normalizeH="0" baseline="0" dirty="0">
+              <a:ln>
+                <a:noFill/>
+              </a:ln>
+              <a:solidFill>
+                <a:schemeClr val="tx1"/>
+              </a:solidFill>
+              <a:effectLst/>
+              <a:latin typeface="Arial" panose="020B0604020202020204" pitchFamily="34" charset="0"/>
+              <a:ea typeface="Times New Roman" panose="02020603050405020304" pitchFamily="18" charset="0"/>
+              <a:cs typeface="Calibri" panose="020F0502020204030204" pitchFamily="34" charset="0"/>
+            </a:endParaRPr>
+          </a:p>
+          <a:p>
+            <a:pPr marL="0" marR="0" lvl="0" indent="457200" algn="l" defTabSz="914400" rtl="0" eaLnBrk="0" fontAlgn="base" latinLnBrk="0" hangingPunct="0">
+              <a:lnSpc>
+                <a:spcPct val="100000"/>
+              </a:lnSpc>
+              <a:spcBef>
+                <a:spcPct val="0"/>
+              </a:spcBef>
+              <a:spcAft>
+                <a:spcPct val="0"/>
+              </a:spcAft>
+              <a:buClrTx/>
+              <a:buSzTx/>
+              <a:buFontTx/>
+              <a:buNone/>
+              <a:tabLst/>
+            </a:pPr>
+            <a:r>
+              <a:rPr kumimoji="0" lang="en-US" altLang="en-US" sz="1200" b="0" i="0" u="none" strike="noStrike" cap="none" normalizeH="0" baseline="0" dirty="0">
+                <a:ln>
+                  <a:noFill/>
+                </a:ln>
+                <a:solidFill>
+                  <a:schemeClr val="tx1"/>
+                </a:solidFill>
+                <a:effectLst/>
+                <a:latin typeface="Arial" panose="020B0604020202020204" pitchFamily="34" charset="0"/>
+                <a:ea typeface="Times New Roman" panose="02020603050405020304" pitchFamily="18" charset="0"/>
+                <a:cs typeface="Calibri" panose="020F0502020204030204" pitchFamily="34" charset="0"/>
+              </a:rPr>
+              <a:t>four distinct steps, viz., selection, expansion, simulation, and backpropagation. Figure (1) shows each of these steps below:</a:t>
+            </a:r>
+            <a:endParaRPr kumimoji="0" lang="en-US" altLang="en-US" sz="1100" b="0" i="0" u="none" strike="noStrike" cap="none" normalizeH="0" baseline="0" dirty="0">
+              <a:ln>
+                <a:noFill/>
+              </a:ln>
+              <a:solidFill>
+                <a:schemeClr val="tx1"/>
+              </a:solidFill>
+              <a:effectLst/>
+              <a:latin typeface="Arial" panose="020B0604020202020204" pitchFamily="34" charset="0"/>
+            </a:endParaRPr>
+          </a:p>
+          <a:p>
+            <a:pPr marL="0" marR="0" lvl="0" indent="457200" algn="l" defTabSz="914400" rtl="0" eaLnBrk="0" fontAlgn="base" latinLnBrk="0" hangingPunct="0">
+              <a:lnSpc>
+                <a:spcPct val="100000"/>
+              </a:lnSpc>
+              <a:spcBef>
+                <a:spcPct val="0"/>
+              </a:spcBef>
+              <a:spcAft>
+                <a:spcPct val="0"/>
+              </a:spcAft>
+              <a:buClrTx/>
+              <a:buSzTx/>
+              <a:buFontTx/>
+              <a:buNone/>
+              <a:tabLst/>
+            </a:pPr>
+            <a:endParaRPr kumimoji="0" lang="en-US" altLang="en-US" sz="1800" b="0" i="0" u="none" strike="noStrike" cap="none" normalizeH="0" baseline="0" dirty="0">
+              <a:ln>
+                <a:noFill/>
+              </a:ln>
+              <a:solidFill>
+                <a:schemeClr val="tx1"/>
+              </a:solidFill>
+              <a:effectLst/>
+              <a:latin typeface="Arial" panose="020B0604020202020204" pitchFamily="34" charset="0"/>
+            </a:endParaRPr>
+          </a:p>
+        </p:txBody>
+      </p:sp>
+      <p:pic>
+        <p:nvPicPr>
+          <p:cNvPr id="2049" name="Picture 1" descr="A close up of a device&#10;&#10;Description automatically generated">
+            <a:extLst>
+              <a:ext uri="{FF2B5EF4-FFF2-40B4-BE49-F238E27FC236}">
+                <a16:creationId xmlns:a16="http://schemas.microsoft.com/office/drawing/2014/main" id="{6E4E54DE-1764-46A4-B153-BD23C27E9E88}"/>
+              </a:ext>
+            </a:extLst>
+          </p:cNvPr>
+          <p:cNvPicPr>
+            <a:picLocks noChangeAspect="1" noChangeArrowheads="1"/>
+          </p:cNvPicPr>
+          <p:nvPr/>
+        </p:nvPicPr>
+        <p:blipFill>
+          <a:blip r:embed="rId2">
+            <a:extLst>
+              <a:ext uri="{28A0092B-C50C-407E-A947-70E740481C1C}">
+                <a14:useLocalDpi xmlns:a14="http://schemas.microsoft.com/office/drawing/2010/main" val="0"/>
+              </a:ext>
+            </a:extLst>
+          </a:blip>
+          <a:srcRect/>
+          <a:stretch>
+            <a:fillRect/>
+          </a:stretch>
+        </p:blipFill>
+        <p:spPr bwMode="auto">
+          <a:xfrm>
+            <a:off x="1065093" y="2579245"/>
+            <a:ext cx="5943600" cy="3343275"/>
+          </a:xfrm>
+          <a:prstGeom prst="rect">
+            <a:avLst/>
+          </a:prstGeom>
+          <a:noFill/>
+          <a:extLst>
+            <a:ext uri="{909E8E84-426E-40DD-AFC4-6F175D3DCCD1}">
+              <a14:hiddenFill xmlns:a14="http://schemas.microsoft.com/office/drawing/2010/main">
+                <a:solidFill>
+                  <a:srgbClr val="FFFFFF"/>
+                </a:solidFill>
+              </a14:hiddenFill>
+            </a:ext>
+          </a:extLst>
+        </p:spPr>
+      </p:pic>
+      <p:sp>
+        <p:nvSpPr>
+          <p:cNvPr id="5" name="Rectangle 3">
+            <a:extLst>
+              <a:ext uri="{FF2B5EF4-FFF2-40B4-BE49-F238E27FC236}">
+                <a16:creationId xmlns:a16="http://schemas.microsoft.com/office/drawing/2014/main" id="{02973AD4-C2BD-4D24-AF70-17F389ECD131}"/>
+              </a:ext>
+            </a:extLst>
+          </p:cNvPr>
+          <p:cNvSpPr>
+            <a:spLocks noChangeArrowheads="1"/>
+          </p:cNvSpPr>
+          <p:nvPr/>
+        </p:nvSpPr>
+        <p:spPr bwMode="auto">
+          <a:xfrm>
+            <a:off x="442451" y="1828800"/>
+            <a:ext cx="12192000" cy="0"/>
+          </a:xfrm>
+          <a:prstGeom prst="rect">
+            <a:avLst/>
+          </a:prstGeom>
+          <a:noFill/>
+          <a:ln>
+            <a:noFill/>
+          </a:ln>
+          <a:effectLst/>
+          <a:extLst>
+            <a:ext uri="{909E8E84-426E-40DD-AFC4-6F175D3DCCD1}">
+              <a14:hiddenFill xmlns:a14="http://schemas.microsoft.com/office/drawing/2010/main">
+                <a:solidFill>
+                  <a:schemeClr val="accent1"/>
+                </a:solidFill>
+              </a14:hiddenFill>
+            </a:ext>
+            <a:ext uri="{91240B29-F687-4F45-9708-019B960494DF}">
+              <a14:hiddenLine xmlns:a14="http://schemas.microsoft.com/office/drawing/2010/main" w="9525">
+                <a:solidFill>
+                  <a:schemeClr val="tx1"/>
+                </a:solidFill>
+                <a:miter lim="800000"/>
+                <a:headEnd/>
+                <a:tailEnd/>
+              </a14:hiddenLine>
+            </a:ext>
+            <a:ext uri="{AF507438-7753-43E0-B8FC-AC1667EBCBE1}">
+              <a14:hiddenEffects xmlns:a14="http://schemas.microsoft.com/office/drawing/2010/main">
+                <a:effectLst>
+                  <a:outerShdw dist="35921" dir="2700000" algn="ctr" rotWithShape="0">
+                    <a:schemeClr val="bg2"/>
+                  </a:outerShdw>
+                </a:effectLst>
+              </a14:hiddenEffects>
+            </a:ext>
+          </a:extLst>
+        </p:spPr>
+        <p:txBody>
+          <a:bodyPr vert="horz" wrap="none" lIns="91440" tIns="45720" rIns="91440" bIns="45720" numCol="1" anchor="ctr" anchorCtr="0" compatLnSpc="1">
+            <a:prstTxWarp prst="textNoShape">
+              <a:avLst/>
+            </a:prstTxWarp>
+            <a:spAutoFit/>
+          </a:bodyPr>
+          <a:lstStyle/>
+          <a:p>
+            <a:endParaRPr lang="en-US"/>
+          </a:p>
+        </p:txBody>
+      </p:sp>
+    </p:spTree>
+    <p:extLst>
+      <p:ext uri="{BB962C8B-B14F-4D97-AF65-F5344CB8AC3E}">
+        <p14:creationId xmlns:p14="http://schemas.microsoft.com/office/powerpoint/2010/main" val="4097951519"/>
+      </p:ext>
+    </p:extLst>
+  </p:cSld>
+  <p:clrMapOvr>
+    <a:masterClrMapping/>
+  </p:clrMapOvr>
+</p:sld>
+</file>
+
+<file path=ppt/slides/slide5.xml><?xml version="1.0" encoding="utf-8"?>
+<p:sld xmlns:a="http://schemas.openxmlformats.org/drawingml/2006/main" xmlns:r="http://schemas.openxmlformats.org/officeDocument/2006/relationships" xmlns:p="http://schemas.openxmlformats.org/presentationml/2006/main">
+  <p:cSld>
+    <p:spTree>
+      <p:nvGrpSpPr>
+        <p:cNvPr id="1" name=""/>
+        <p:cNvGrpSpPr/>
+        <p:nvPr/>
+      </p:nvGrpSpPr>
+      <p:grpSpPr>
+        <a:xfrm>
+          <a:off x="0" y="0"/>
+          <a:ext cx="0" cy="0"/>
+          <a:chOff x="0" y="0"/>
+          <a:chExt cx="0" cy="0"/>
+        </a:xfrm>
+      </p:grpSpPr>
+      <p:sp>
+        <p:nvSpPr>
+          <p:cNvPr id="4" name="Rectangle 2">
+            <a:extLst>
+              <a:ext uri="{FF2B5EF4-FFF2-40B4-BE49-F238E27FC236}">
+                <a16:creationId xmlns:a16="http://schemas.microsoft.com/office/drawing/2014/main" id="{D97042C9-E4B5-40FC-A31C-D45C6EB1DC65}"/>
+              </a:ext>
+            </a:extLst>
+          </p:cNvPr>
+          <p:cNvSpPr>
+            <a:spLocks noChangeArrowheads="1"/>
+          </p:cNvSpPr>
+          <p:nvPr/>
+        </p:nvSpPr>
+        <p:spPr bwMode="auto">
+          <a:xfrm>
+            <a:off x="1885071" y="1589650"/>
+            <a:ext cx="12192000" cy="457200"/>
+          </a:xfrm>
+          <a:prstGeom prst="rect">
+            <a:avLst/>
+          </a:prstGeom>
+          <a:noFill/>
+          <a:ln>
+            <a:noFill/>
+          </a:ln>
+          <a:effectLst/>
+          <a:extLst>
+            <a:ext uri="{909E8E84-426E-40DD-AFC4-6F175D3DCCD1}">
+              <a14:hiddenFill xmlns:a14="http://schemas.microsoft.com/office/drawing/2010/main">
+                <a:solidFill>
+                  <a:schemeClr val="accent1"/>
+                </a:solidFill>
+              </a14:hiddenFill>
+            </a:ext>
+            <a:ext uri="{91240B29-F687-4F45-9708-019B960494DF}">
+              <a14:hiddenLine xmlns:a14="http://schemas.microsoft.com/office/drawing/2010/main" w="9525">
+                <a:solidFill>
+                  <a:schemeClr val="tx1"/>
+                </a:solidFill>
+                <a:miter lim="800000"/>
+                <a:headEnd/>
+                <a:tailEnd/>
+              </a14:hiddenLine>
+            </a:ext>
+            <a:ext uri="{AF507438-7753-43E0-B8FC-AC1667EBCBE1}">
+              <a14:hiddenEffects xmlns:a14="http://schemas.microsoft.com/office/drawing/2010/main">
+                <a:effectLst>
+                  <a:outerShdw dist="35921" dir="2700000" algn="ctr" rotWithShape="0">
+                    <a:schemeClr val="bg2"/>
+                  </a:outerShdw>
+                </a:effectLst>
+              </a14:hiddenEffects>
+            </a:ext>
+          </a:extLst>
+        </p:spPr>
+        <p:txBody>
+          <a:bodyPr vert="horz" wrap="none" lIns="91440" tIns="45720" rIns="91440" bIns="45720" numCol="1" anchor="ctr" anchorCtr="0" compatLnSpc="1">
+            <a:prstTxWarp prst="textNoShape">
+              <a:avLst/>
+            </a:prstTxWarp>
+            <a:spAutoFit/>
+          </a:bodyPr>
+          <a:lstStyle>
+            <a:lvl1pPr indent="457200" eaLnBrk="0" fontAlgn="base" hangingPunct="0">
+              <a:spcBef>
+                <a:spcPct val="0"/>
+              </a:spcBef>
+              <a:spcAft>
+                <a:spcPct val="0"/>
+              </a:spcAft>
+              <a:defRPr>
+                <a:solidFill>
+                  <a:schemeClr val="tx1"/>
+                </a:solidFill>
+                <a:latin typeface="Arial" panose="020B0604020202020204" pitchFamily="34" charset="0"/>
+              </a:defRPr>
+            </a:lvl1pPr>
+            <a:lvl2pPr eaLnBrk="0" fontAlgn="base" hangingPunct="0">
+              <a:spcBef>
+                <a:spcPct val="0"/>
+              </a:spcBef>
+              <a:spcAft>
+                <a:spcPct val="0"/>
+              </a:spcAft>
+              <a:defRPr>
+                <a:solidFill>
+                  <a:schemeClr val="tx1"/>
+                </a:solidFill>
+                <a:latin typeface="Arial" panose="020B0604020202020204" pitchFamily="34" charset="0"/>
+              </a:defRPr>
+            </a:lvl2pPr>
+            <a:lvl3pPr eaLnBrk="0" fontAlgn="base" hangingPunct="0">
+              <a:spcBef>
+                <a:spcPct val="0"/>
+              </a:spcBef>
+              <a:spcAft>
+                <a:spcPct val="0"/>
+              </a:spcAft>
+              <a:defRPr>
+                <a:solidFill>
+                  <a:schemeClr val="tx1"/>
+                </a:solidFill>
+                <a:latin typeface="Arial" panose="020B0604020202020204" pitchFamily="34" charset="0"/>
+              </a:defRPr>
+            </a:lvl3pPr>
+            <a:lvl4pPr eaLnBrk="0" fontAlgn="base" hangingPunct="0">
+              <a:spcBef>
+                <a:spcPct val="0"/>
+              </a:spcBef>
+              <a:spcAft>
+                <a:spcPct val="0"/>
+              </a:spcAft>
+              <a:defRPr>
+                <a:solidFill>
+                  <a:schemeClr val="tx1"/>
+                </a:solidFill>
+                <a:latin typeface="Arial" panose="020B0604020202020204" pitchFamily="34" charset="0"/>
+              </a:defRPr>
+            </a:lvl4pPr>
+            <a:lvl5pPr eaLnBrk="0" fontAlgn="base" hangingPunct="0">
+              <a:spcBef>
+                <a:spcPct val="0"/>
+              </a:spcBef>
+              <a:spcAft>
+                <a:spcPct val="0"/>
+              </a:spcAft>
+              <a:defRPr>
+                <a:solidFill>
+                  <a:schemeClr val="tx1"/>
+                </a:solidFill>
+                <a:latin typeface="Arial" panose="020B0604020202020204" pitchFamily="34" charset="0"/>
+              </a:defRPr>
+            </a:lvl5pPr>
+            <a:lvl6pPr eaLnBrk="0" fontAlgn="base" hangingPunct="0">
+              <a:spcBef>
+                <a:spcPct val="0"/>
+              </a:spcBef>
+              <a:spcAft>
+                <a:spcPct val="0"/>
+              </a:spcAft>
+              <a:defRPr>
+                <a:solidFill>
+                  <a:schemeClr val="tx1"/>
+                </a:solidFill>
+                <a:latin typeface="Arial" panose="020B0604020202020204" pitchFamily="34" charset="0"/>
+              </a:defRPr>
+            </a:lvl6pPr>
+            <a:lvl7pPr eaLnBrk="0" fontAlgn="base" hangingPunct="0">
+              <a:spcBef>
+                <a:spcPct val="0"/>
+              </a:spcBef>
+              <a:spcAft>
+                <a:spcPct val="0"/>
+              </a:spcAft>
+              <a:defRPr>
+                <a:solidFill>
+                  <a:schemeClr val="tx1"/>
+                </a:solidFill>
+                <a:latin typeface="Arial" panose="020B0604020202020204" pitchFamily="34" charset="0"/>
+              </a:defRPr>
+            </a:lvl7pPr>
+            <a:lvl8pPr eaLnBrk="0" fontAlgn="base" hangingPunct="0">
+              <a:spcBef>
+                <a:spcPct val="0"/>
+              </a:spcBef>
+              <a:spcAft>
+                <a:spcPct val="0"/>
+              </a:spcAft>
+              <a:defRPr>
+                <a:solidFill>
+                  <a:schemeClr val="tx1"/>
+                </a:solidFill>
+                <a:latin typeface="Arial" panose="020B0604020202020204" pitchFamily="34" charset="0"/>
+              </a:defRPr>
+            </a:lvl8pPr>
+            <a:lvl9pPr eaLnBrk="0" fontAlgn="base" hangingPunct="0">
+              <a:spcBef>
+                <a:spcPct val="0"/>
+              </a:spcBef>
+              <a:spcAft>
+                <a:spcPct val="0"/>
+              </a:spcAft>
+              <a:defRPr>
+                <a:solidFill>
+                  <a:schemeClr val="tx1"/>
+                </a:solidFill>
+                <a:latin typeface="Arial" panose="020B0604020202020204" pitchFamily="34" charset="0"/>
+              </a:defRPr>
+            </a:lvl9pPr>
+          </a:lstStyle>
+          <a:p>
+            <a:pPr marL="0" marR="0" lvl="0" indent="457200" algn="l" defTabSz="914400" rtl="0" eaLnBrk="0" fontAlgn="base" latinLnBrk="0" hangingPunct="0">
+              <a:lnSpc>
+                <a:spcPct val="100000"/>
+              </a:lnSpc>
+              <a:spcBef>
+                <a:spcPct val="0"/>
+              </a:spcBef>
+              <a:spcAft>
+                <a:spcPct val="0"/>
+              </a:spcAft>
+              <a:buClrTx/>
+              <a:buSzTx/>
+              <a:buFontTx/>
+              <a:buNone/>
+              <a:tabLst/>
+            </a:pPr>
+            <a:r>
+              <a:rPr kumimoji="0" lang="en-US" altLang="en-US" sz="1200" b="1" i="0" u="none" strike="noStrike" cap="none" normalizeH="0" baseline="0">
+                <a:ln>
+                  <a:noFill/>
+                </a:ln>
+                <a:solidFill>
+                  <a:srgbClr val="1F3864"/>
+                </a:solidFill>
+                <a:effectLst/>
+                <a:latin typeface="Times New Roman" panose="02020603050405020304" pitchFamily="18" charset="0"/>
+                <a:ea typeface="Times New Roman" panose="02020603050405020304" pitchFamily="18" charset="0"/>
+                <a:cs typeface="Times New Roman" panose="02020603050405020304" pitchFamily="18" charset="0"/>
+              </a:rPr>
+              <a:t>2.1.1 Pseudo Code For MCT algorithm </a:t>
+            </a:r>
+            <a:endParaRPr kumimoji="0" lang="en-US" altLang="en-US" sz="1100" b="0" i="0" u="none" strike="noStrike" cap="none" normalizeH="0" baseline="0">
+              <a:ln>
+                <a:noFill/>
+              </a:ln>
+              <a:solidFill>
+                <a:schemeClr val="tx1"/>
+              </a:solidFill>
+              <a:effectLst/>
+            </a:endParaRPr>
+          </a:p>
+          <a:p>
+            <a:pPr marL="0" marR="0" lvl="0" indent="457200" algn="l" defTabSz="914400" rtl="0" eaLnBrk="0" fontAlgn="base" latinLnBrk="0" hangingPunct="0">
+              <a:lnSpc>
+                <a:spcPct val="100000"/>
+              </a:lnSpc>
+              <a:spcBef>
+                <a:spcPct val="0"/>
+              </a:spcBef>
+              <a:spcAft>
+                <a:spcPct val="0"/>
+              </a:spcAft>
+              <a:buClrTx/>
+              <a:buSzTx/>
+              <a:buFontTx/>
+              <a:buNone/>
+              <a:tabLst/>
+            </a:pPr>
+            <a:endParaRPr kumimoji="0" lang="en-US" altLang="en-US" sz="1800" b="0" i="0" u="none" strike="noStrike" cap="none" normalizeH="0" baseline="0">
+              <a:ln>
+                <a:noFill/>
+              </a:ln>
+              <a:solidFill>
+                <a:schemeClr val="tx1"/>
+              </a:solidFill>
+              <a:effectLst/>
+              <a:latin typeface="Arial" panose="020B0604020202020204" pitchFamily="34" charset="0"/>
+            </a:endParaRPr>
+          </a:p>
+        </p:txBody>
+      </p:sp>
+      <p:pic>
+        <p:nvPicPr>
+          <p:cNvPr id="3073" name="Picture 226" descr="A screenshot of text&#10;&#10;Description automatically generated">
+            <a:extLst>
+              <a:ext uri="{FF2B5EF4-FFF2-40B4-BE49-F238E27FC236}">
+                <a16:creationId xmlns:a16="http://schemas.microsoft.com/office/drawing/2014/main" id="{72F10511-1C2B-4104-8DC2-5C3EC8063A1E}"/>
+              </a:ext>
+            </a:extLst>
+          </p:cNvPr>
+          <p:cNvPicPr>
+            <a:picLocks noChangeAspect="1" noChangeArrowheads="1"/>
+          </p:cNvPicPr>
+          <p:nvPr/>
+        </p:nvPicPr>
+        <p:blipFill>
+          <a:blip r:embed="rId2">
+            <a:extLst>
+              <a:ext uri="{28A0092B-C50C-407E-A947-70E740481C1C}">
+                <a14:useLocalDpi xmlns:a14="http://schemas.microsoft.com/office/drawing/2010/main" val="0"/>
+              </a:ext>
+            </a:extLst>
+          </a:blip>
+          <a:srcRect/>
+          <a:stretch>
+            <a:fillRect/>
+          </a:stretch>
+        </p:blipFill>
+        <p:spPr bwMode="auto">
+          <a:xfrm>
+            <a:off x="1885071" y="2046850"/>
+            <a:ext cx="5419725" cy="3228975"/>
+          </a:xfrm>
+          <a:prstGeom prst="rect">
+            <a:avLst/>
+          </a:prstGeom>
+          <a:noFill/>
+          <a:extLst>
+            <a:ext uri="{909E8E84-426E-40DD-AFC4-6F175D3DCCD1}">
+              <a14:hiddenFill xmlns:a14="http://schemas.microsoft.com/office/drawing/2010/main">
+                <a:solidFill>
+                  <a:srgbClr val="FFFFFF"/>
+                </a:solidFill>
+              </a14:hiddenFill>
+            </a:ext>
+          </a:extLst>
+        </p:spPr>
+      </p:pic>
+      <p:sp>
+        <p:nvSpPr>
+          <p:cNvPr id="5" name="Rectangle 3">
+            <a:extLst>
+              <a:ext uri="{FF2B5EF4-FFF2-40B4-BE49-F238E27FC236}">
+                <a16:creationId xmlns:a16="http://schemas.microsoft.com/office/drawing/2014/main" id="{DCC9CFC8-DE10-42A7-912C-F4B086DBEA7D}"/>
+              </a:ext>
+            </a:extLst>
+          </p:cNvPr>
+          <p:cNvSpPr>
+            <a:spLocks noChangeArrowheads="1"/>
+          </p:cNvSpPr>
+          <p:nvPr/>
+        </p:nvSpPr>
+        <p:spPr bwMode="auto">
+          <a:xfrm>
+            <a:off x="1885071" y="5275825"/>
+            <a:ext cx="12192000" cy="0"/>
+          </a:xfrm>
+          <a:prstGeom prst="rect">
+            <a:avLst/>
+          </a:prstGeom>
+          <a:noFill/>
+          <a:ln>
+            <a:noFill/>
+          </a:ln>
+          <a:effectLst/>
+          <a:extLst>
+            <a:ext uri="{909E8E84-426E-40DD-AFC4-6F175D3DCCD1}">
+              <a14:hiddenFill xmlns:a14="http://schemas.microsoft.com/office/drawing/2010/main">
+                <a:solidFill>
+                  <a:schemeClr val="accent1"/>
+                </a:solidFill>
+              </a14:hiddenFill>
+            </a:ext>
+            <a:ext uri="{91240B29-F687-4F45-9708-019B960494DF}">
+              <a14:hiddenLine xmlns:a14="http://schemas.microsoft.com/office/drawing/2010/main" w="9525">
+                <a:solidFill>
+                  <a:schemeClr val="tx1"/>
+                </a:solidFill>
+                <a:miter lim="800000"/>
+                <a:headEnd/>
+                <a:tailEnd/>
+              </a14:hiddenLine>
+            </a:ext>
+            <a:ext uri="{AF507438-7753-43E0-B8FC-AC1667EBCBE1}">
+              <a14:hiddenEffects xmlns:a14="http://schemas.microsoft.com/office/drawing/2010/main">
+                <a:effectLst>
+                  <a:outerShdw dist="35921" dir="2700000" algn="ctr" rotWithShape="0">
+                    <a:schemeClr val="bg2"/>
+                  </a:outerShdw>
+                </a:effectLst>
+              </a14:hiddenEffects>
+            </a:ext>
+          </a:extLst>
+        </p:spPr>
+        <p:txBody>
+          <a:bodyPr vert="horz" wrap="none" lIns="91440" tIns="45720" rIns="91440" bIns="45720" numCol="1" anchor="ctr" anchorCtr="0" compatLnSpc="1">
+            <a:prstTxWarp prst="textNoShape">
+              <a:avLst/>
+            </a:prstTxWarp>
+            <a:spAutoFit/>
+          </a:bodyPr>
+          <a:lstStyle/>
+          <a:p>
+            <a:endParaRPr lang="en-US"/>
+          </a:p>
+        </p:txBody>
+      </p:sp>
+    </p:spTree>
+    <p:extLst>
+      <p:ext uri="{BB962C8B-B14F-4D97-AF65-F5344CB8AC3E}">
+        <p14:creationId xmlns:p14="http://schemas.microsoft.com/office/powerpoint/2010/main" val="2713096399"/>
+      </p:ext>
+    </p:extLst>
+  </p:cSld>
+  <p:clrMapOvr>
+    <a:masterClrMapping/>
+  </p:clrMapOvr>
+</p:sld>
+</file>
+
+<file path=ppt/slides/slide6.xml><?xml version="1.0" encoding="utf-8"?>
+<p:sld xmlns:a="http://schemas.openxmlformats.org/drawingml/2006/main" xmlns:r="http://schemas.openxmlformats.org/officeDocument/2006/relationships" xmlns:p="http://schemas.openxmlformats.org/presentationml/2006/main">
+  <p:cSld>
+    <p:spTree>
+      <p:nvGrpSpPr>
+        <p:cNvPr id="1" name=""/>
+        <p:cNvGrpSpPr/>
+        <p:nvPr/>
+      </p:nvGrpSpPr>
+      <p:grpSpPr>
+        <a:xfrm>
+          <a:off x="0" y="0"/>
+          <a:ext cx="0" cy="0"/>
+          <a:chOff x="0" y="0"/>
+          <a:chExt cx="0" cy="0"/>
+        </a:xfrm>
+      </p:grpSpPr>
+      <p:sp>
+        <p:nvSpPr>
+          <p:cNvPr id="4" name="Rectangle 2">
+            <a:extLst>
+              <a:ext uri="{FF2B5EF4-FFF2-40B4-BE49-F238E27FC236}">
+                <a16:creationId xmlns:a16="http://schemas.microsoft.com/office/drawing/2014/main" id="{9227B7FE-54BE-4AD0-A889-D0E214589CE2}"/>
+              </a:ext>
+            </a:extLst>
+          </p:cNvPr>
+          <p:cNvSpPr>
+            <a:spLocks noChangeArrowheads="1"/>
+          </p:cNvSpPr>
+          <p:nvPr/>
+        </p:nvSpPr>
+        <p:spPr bwMode="auto">
+          <a:xfrm>
+            <a:off x="1463040" y="1434904"/>
+            <a:ext cx="12192000" cy="457200"/>
+          </a:xfrm>
+          <a:prstGeom prst="rect">
+            <a:avLst/>
+          </a:prstGeom>
+          <a:noFill/>
+          <a:ln>
+            <a:noFill/>
+          </a:ln>
+          <a:effectLst/>
+          <a:extLst>
+            <a:ext uri="{909E8E84-426E-40DD-AFC4-6F175D3DCCD1}">
+              <a14:hiddenFill xmlns:a14="http://schemas.microsoft.com/office/drawing/2010/main">
+                <a:solidFill>
+                  <a:schemeClr val="accent1"/>
+                </a:solidFill>
+              </a14:hiddenFill>
+            </a:ext>
+            <a:ext uri="{91240B29-F687-4F45-9708-019B960494DF}">
+              <a14:hiddenLine xmlns:a14="http://schemas.microsoft.com/office/drawing/2010/main" w="9525">
+                <a:solidFill>
+                  <a:schemeClr val="tx1"/>
+                </a:solidFill>
+                <a:miter lim="800000"/>
+                <a:headEnd/>
+                <a:tailEnd/>
+              </a14:hiddenLine>
+            </a:ext>
+            <a:ext uri="{AF507438-7753-43E0-B8FC-AC1667EBCBE1}">
+              <a14:hiddenEffects xmlns:a14="http://schemas.microsoft.com/office/drawing/2010/main">
+                <a:effectLst>
+                  <a:outerShdw dist="35921" dir="2700000" algn="ctr" rotWithShape="0">
+                    <a:schemeClr val="bg2"/>
+                  </a:outerShdw>
+                </a:effectLst>
+              </a14:hiddenEffects>
+            </a:ext>
+          </a:extLst>
+        </p:spPr>
+        <p:txBody>
+          <a:bodyPr vert="horz" wrap="none" lIns="91440" tIns="45720" rIns="91440" bIns="45720" numCol="1" anchor="ctr" anchorCtr="0" compatLnSpc="1">
+            <a:prstTxWarp prst="textNoShape">
+              <a:avLst/>
+            </a:prstTxWarp>
+            <a:spAutoFit/>
+          </a:bodyPr>
+          <a:lstStyle/>
+          <a:p>
+            <a:pPr marL="0" marR="0" lvl="0" indent="457200" algn="l" defTabSz="914400" rtl="0" eaLnBrk="0" fontAlgn="base" latinLnBrk="0" hangingPunct="0">
+              <a:lnSpc>
+                <a:spcPct val="100000"/>
+              </a:lnSpc>
+              <a:spcBef>
+                <a:spcPct val="0"/>
+              </a:spcBef>
+              <a:spcAft>
+                <a:spcPct val="0"/>
+              </a:spcAft>
+              <a:buClrTx/>
+              <a:buSzTx/>
+              <a:buFontTx/>
+              <a:buNone/>
+              <a:tabLst/>
+            </a:pPr>
+            <a:r>
+              <a:rPr kumimoji="0" lang="en-US" altLang="en-US" sz="1200" b="1" i="0" u="none" strike="noStrike" cap="none" normalizeH="0" baseline="0">
+                <a:ln>
+                  <a:noFill/>
+                </a:ln>
+                <a:solidFill>
+                  <a:srgbClr val="44546A"/>
+                </a:solidFill>
+                <a:effectLst/>
+                <a:latin typeface="Arial" panose="020B0604020202020204" pitchFamily="34" charset="0"/>
+                <a:ea typeface="Times New Roman" panose="02020603050405020304" pitchFamily="18" charset="0"/>
+                <a:cs typeface="TimesNewRomanPSMT"/>
+              </a:rPr>
+              <a:t>2.2.4 Final output:</a:t>
+            </a:r>
+            <a:endParaRPr kumimoji="0" lang="en-US" altLang="en-US" sz="1100" b="0" i="0" u="none" strike="noStrike" cap="none" normalizeH="0" baseline="0">
+              <a:ln>
+                <a:noFill/>
+              </a:ln>
+              <a:solidFill>
+                <a:schemeClr val="tx1"/>
+              </a:solidFill>
+              <a:effectLst/>
+              <a:latin typeface="Arial" panose="020B0604020202020204" pitchFamily="34" charset="0"/>
+            </a:endParaRPr>
+          </a:p>
+          <a:p>
+            <a:pPr marL="0" marR="0" lvl="0" indent="457200" algn="l" defTabSz="914400" rtl="0" eaLnBrk="0" fontAlgn="base" latinLnBrk="0" hangingPunct="0">
+              <a:lnSpc>
+                <a:spcPct val="100000"/>
+              </a:lnSpc>
+              <a:spcBef>
+                <a:spcPct val="0"/>
+              </a:spcBef>
+              <a:spcAft>
+                <a:spcPct val="0"/>
+              </a:spcAft>
+              <a:buClrTx/>
+              <a:buSzTx/>
+              <a:buFontTx/>
+              <a:buNone/>
+              <a:tabLst/>
+            </a:pPr>
+            <a:endParaRPr kumimoji="0" lang="en-US" altLang="en-US" sz="1800" b="0" i="0" u="none" strike="noStrike" cap="none" normalizeH="0" baseline="0">
+              <a:ln>
+                <a:noFill/>
+              </a:ln>
+              <a:solidFill>
+                <a:schemeClr val="tx1"/>
+              </a:solidFill>
+              <a:effectLst/>
+              <a:latin typeface="Arial" panose="020B0604020202020204" pitchFamily="34" charset="0"/>
+            </a:endParaRPr>
+          </a:p>
+        </p:txBody>
+      </p:sp>
+      <p:pic>
+        <p:nvPicPr>
+          <p:cNvPr id="4097" name="Picture 11" descr="A screenshot of a cell phone&#10;&#10;Description automatically generated">
+            <a:extLst>
+              <a:ext uri="{FF2B5EF4-FFF2-40B4-BE49-F238E27FC236}">
+                <a16:creationId xmlns:a16="http://schemas.microsoft.com/office/drawing/2014/main" id="{1F2714E9-0B06-4EB5-86E8-30D12DBBB4B0}"/>
+              </a:ext>
+            </a:extLst>
+          </p:cNvPr>
+          <p:cNvPicPr>
+            <a:picLocks noChangeAspect="1" noChangeArrowheads="1"/>
+          </p:cNvPicPr>
+          <p:nvPr/>
+        </p:nvPicPr>
+        <p:blipFill>
+          <a:blip r:embed="rId2">
+            <a:extLst>
+              <a:ext uri="{28A0092B-C50C-407E-A947-70E740481C1C}">
+                <a14:useLocalDpi xmlns:a14="http://schemas.microsoft.com/office/drawing/2010/main" val="0"/>
+              </a:ext>
+            </a:extLst>
+          </a:blip>
+          <a:srcRect/>
+          <a:stretch>
+            <a:fillRect/>
+          </a:stretch>
+        </p:blipFill>
+        <p:spPr bwMode="auto">
+          <a:xfrm>
+            <a:off x="1463040" y="1892104"/>
+            <a:ext cx="4933950" cy="2466975"/>
+          </a:xfrm>
+          <a:prstGeom prst="rect">
+            <a:avLst/>
+          </a:prstGeom>
+          <a:noFill/>
+          <a:extLst>
+            <a:ext uri="{909E8E84-426E-40DD-AFC4-6F175D3DCCD1}">
+              <a14:hiddenFill xmlns:a14="http://schemas.microsoft.com/office/drawing/2010/main">
+                <a:solidFill>
+                  <a:srgbClr val="FFFFFF"/>
+                </a:solidFill>
+              </a14:hiddenFill>
+            </a:ext>
+          </a:extLst>
+        </p:spPr>
+      </p:pic>
+      <p:sp>
+        <p:nvSpPr>
+          <p:cNvPr id="5" name="Rectangle 3">
+            <a:extLst>
+              <a:ext uri="{FF2B5EF4-FFF2-40B4-BE49-F238E27FC236}">
+                <a16:creationId xmlns:a16="http://schemas.microsoft.com/office/drawing/2014/main" id="{A46B021C-F274-47EE-AB59-FE5F13282604}"/>
+              </a:ext>
+            </a:extLst>
+          </p:cNvPr>
+          <p:cNvSpPr>
+            <a:spLocks noChangeArrowheads="1"/>
+          </p:cNvSpPr>
+          <p:nvPr/>
+        </p:nvSpPr>
+        <p:spPr bwMode="auto">
+          <a:xfrm>
+            <a:off x="1463040" y="4359079"/>
+            <a:ext cx="12192000" cy="457200"/>
+          </a:xfrm>
+          <a:prstGeom prst="rect">
+            <a:avLst/>
+          </a:prstGeom>
+          <a:noFill/>
+          <a:ln>
+            <a:noFill/>
+          </a:ln>
+          <a:effectLst/>
+          <a:extLst>
+            <a:ext uri="{909E8E84-426E-40DD-AFC4-6F175D3DCCD1}">
+              <a14:hiddenFill xmlns:a14="http://schemas.microsoft.com/office/drawing/2010/main">
+                <a:solidFill>
+                  <a:schemeClr val="accent1"/>
+                </a:solidFill>
+              </a14:hiddenFill>
+            </a:ext>
+            <a:ext uri="{91240B29-F687-4F45-9708-019B960494DF}">
+              <a14:hiddenLine xmlns:a14="http://schemas.microsoft.com/office/drawing/2010/main" w="9525">
+                <a:solidFill>
+                  <a:schemeClr val="tx1"/>
+                </a:solidFill>
+                <a:miter lim="800000"/>
+                <a:headEnd/>
+                <a:tailEnd/>
+              </a14:hiddenLine>
+            </a:ext>
+            <a:ext uri="{AF507438-7753-43E0-B8FC-AC1667EBCBE1}">
+              <a14:hiddenEffects xmlns:a14="http://schemas.microsoft.com/office/drawing/2010/main">
+                <a:effectLst>
+                  <a:outerShdw dist="35921" dir="2700000" algn="ctr" rotWithShape="0">
+                    <a:schemeClr val="bg2"/>
+                  </a:outerShdw>
+                </a:effectLst>
+              </a14:hiddenEffects>
+            </a:ext>
+          </a:extLst>
+        </p:spPr>
+        <p:txBody>
+          <a:bodyPr vert="horz" wrap="none" lIns="91440" tIns="45720" rIns="91440" bIns="45720" numCol="1" anchor="ctr" anchorCtr="0" compatLnSpc="1">
+            <a:prstTxWarp prst="textNoShape">
+              <a:avLst/>
+            </a:prstTxWarp>
+            <a:spAutoFit/>
+          </a:bodyPr>
+          <a:lstStyle/>
+          <a:p>
+            <a:endParaRPr lang="en-US"/>
+          </a:p>
+        </p:txBody>
+      </p:sp>
+    </p:spTree>
+    <p:extLst>
+      <p:ext uri="{BB962C8B-B14F-4D97-AF65-F5344CB8AC3E}">
+        <p14:creationId xmlns:p14="http://schemas.microsoft.com/office/powerpoint/2010/main" val="300604263"/>
+      </p:ext>
+    </p:extLst>
+  </p:cSld>
+  <p:clrMapOvr>
+    <a:masterClrMapping/>
+  </p:clrMapOvr>
+</p:sld>
+</file>
+
+<file path=ppt/slides/slide7.xml><?xml version="1.0" encoding="utf-8"?>
+<p:sld xmlns:a="http://schemas.openxmlformats.org/drawingml/2006/main" xmlns:r="http://schemas.openxmlformats.org/officeDocument/2006/relationships" xmlns:p="http://schemas.openxmlformats.org/presentationml/2006/main">
+  <p:cSld>
+    <p:spTree>
+      <p:nvGrpSpPr>
+        <p:cNvPr id="1" name=""/>
+        <p:cNvGrpSpPr/>
+        <p:nvPr/>
+      </p:nvGrpSpPr>
+      <p:grpSpPr>
+        <a:xfrm>
+          <a:off x="0" y="0"/>
+          <a:ext cx="0" cy="0"/>
+          <a:chOff x="0" y="0"/>
+          <a:chExt cx="0" cy="0"/>
+        </a:xfrm>
+      </p:grpSpPr>
+      <p:graphicFrame>
+        <p:nvGraphicFramePr>
+          <p:cNvPr id="4" name="Table 3">
+            <a:extLst>
+              <a:ext uri="{FF2B5EF4-FFF2-40B4-BE49-F238E27FC236}">
+                <a16:creationId xmlns:a16="http://schemas.microsoft.com/office/drawing/2014/main" id="{241EDFA4-94EC-4695-A32F-D62DBC4769B1}"/>
+              </a:ext>
+            </a:extLst>
+          </p:cNvPr>
+          <p:cNvGraphicFramePr>
+            <a:graphicFrameLocks noGrp="1"/>
+          </p:cNvGraphicFramePr>
+          <p:nvPr>
+            <p:extLst>
+              <p:ext uri="{D42A27DB-BD31-4B8C-83A1-F6EECF244321}">
+                <p14:modId xmlns:p14="http://schemas.microsoft.com/office/powerpoint/2010/main" val="1897409647"/>
+              </p:ext>
+            </p:extLst>
+          </p:nvPr>
+        </p:nvGraphicFramePr>
+        <p:xfrm>
+          <a:off x="3218159" y="2971641"/>
+          <a:ext cx="5490210" cy="2684780"/>
+        </p:xfrm>
+        <a:graphic>
+          <a:graphicData uri="http://schemas.openxmlformats.org/drawingml/2006/table">
+            <a:tbl>
+              <a:tblPr firstRow="1" firstCol="1" bandRow="1">
+                <a:tableStyleId>{5C22544A-7EE6-4342-B048-85BDC9FD1C3A}</a:tableStyleId>
+              </a:tblPr>
+              <a:tblGrid>
+                <a:gridCol w="1705610">
+                  <a:extLst>
+                    <a:ext uri="{9D8B030D-6E8A-4147-A177-3AD203B41FA5}">
+                      <a16:colId xmlns:a16="http://schemas.microsoft.com/office/drawing/2014/main" val="2133201698"/>
+                    </a:ext>
+                  </a:extLst>
+                </a:gridCol>
+                <a:gridCol w="3784600">
+                  <a:extLst>
+                    <a:ext uri="{9D8B030D-6E8A-4147-A177-3AD203B41FA5}">
+                      <a16:colId xmlns:a16="http://schemas.microsoft.com/office/drawing/2014/main" val="1849084096"/>
+                    </a:ext>
+                  </a:extLst>
+                </a:gridCol>
+              </a:tblGrid>
+              <a:tr h="215265">
+                <a:tc>
+                  <a:txBody>
+                    <a:bodyPr/>
+                    <a:lstStyle/>
+                    <a:p>
+                      <a:pPr marL="0" marR="0">
+                        <a:spcBef>
+                          <a:spcPts val="0"/>
+                        </a:spcBef>
+                        <a:spcAft>
+                          <a:spcPts val="0"/>
+                        </a:spcAft>
+                      </a:pPr>
+                      <a:r>
+                        <a:rPr lang="en-US" sz="1200">
+                          <a:effectLst/>
+                        </a:rPr>
+                        <a:t> </a:t>
+                      </a:r>
+                      <a:endParaRPr lang="en-US" sz="1200">
+                        <a:effectLst/>
+                        <a:latin typeface="Times New Roman" panose="02020603050405020304" pitchFamily="18" charset="0"/>
+                        <a:ea typeface="Times New Roman" panose="02020603050405020304" pitchFamily="18" charset="0"/>
+                        <a:cs typeface="Arial" panose="020B0604020202020204" pitchFamily="34" charset="0"/>
+                      </a:endParaRPr>
+                    </a:p>
+                  </a:txBody>
+                  <a:tcPr marL="73025" marR="73025" marT="0" marB="0" anchor="ctr"/>
+                </a:tc>
+                <a:tc>
+                  <a:txBody>
+                    <a:bodyPr/>
+                    <a:lstStyle/>
+                    <a:p>
+                      <a:pPr marL="0" marR="0">
+                        <a:spcBef>
+                          <a:spcPts val="0"/>
+                        </a:spcBef>
+                        <a:spcAft>
+                          <a:spcPts val="0"/>
+                        </a:spcAft>
+                      </a:pPr>
+                      <a:r>
+                        <a:rPr lang="en-US" sz="1200">
+                          <a:effectLst/>
+                        </a:rPr>
+                        <a:t>MCTS performance</a:t>
+                      </a:r>
+                      <a:endParaRPr lang="en-US" sz="1200">
+                        <a:effectLst/>
+                        <a:latin typeface="Times New Roman" panose="02020603050405020304" pitchFamily="18" charset="0"/>
+                        <a:ea typeface="Times New Roman" panose="02020603050405020304" pitchFamily="18" charset="0"/>
+                        <a:cs typeface="Arial" panose="020B0604020202020204" pitchFamily="34" charset="0"/>
+                      </a:endParaRPr>
+                    </a:p>
+                  </a:txBody>
+                  <a:tcPr marL="73025" marR="73025" marT="0" marB="0" anchor="ctr"/>
+                </a:tc>
+                <a:extLst>
+                  <a:ext uri="{0D108BD9-81ED-4DB2-BD59-A6C34878D82A}">
+                    <a16:rowId xmlns:a16="http://schemas.microsoft.com/office/drawing/2014/main" val="3999473097"/>
+                  </a:ext>
+                </a:extLst>
+              </a:tr>
+              <a:tr h="582295">
+                <a:tc>
+                  <a:txBody>
+                    <a:bodyPr/>
+                    <a:lstStyle/>
+                    <a:p>
+                      <a:pPr marL="0" marR="0">
+                        <a:spcBef>
+                          <a:spcPts val="0"/>
+                        </a:spcBef>
+                        <a:spcAft>
+                          <a:spcPts val="0"/>
+                        </a:spcAft>
+                      </a:pPr>
+                      <a:r>
+                        <a:rPr lang="en-US" sz="1200">
+                          <a:effectLst/>
+                        </a:rPr>
+                        <a:t>Completeness</a:t>
+                      </a:r>
+                      <a:endParaRPr lang="en-US" sz="1200">
+                        <a:effectLst/>
+                        <a:latin typeface="Times New Roman" panose="02020603050405020304" pitchFamily="18" charset="0"/>
+                        <a:ea typeface="Times New Roman" panose="02020603050405020304" pitchFamily="18" charset="0"/>
+                        <a:cs typeface="Arial" panose="020B0604020202020204" pitchFamily="34" charset="0"/>
+                      </a:endParaRPr>
+                    </a:p>
+                  </a:txBody>
+                  <a:tcPr marL="73025" marR="73025" marT="0" marB="0" anchor="ctr"/>
+                </a:tc>
+                <a:tc>
+                  <a:txBody>
+                    <a:bodyPr/>
+                    <a:lstStyle/>
+                    <a:p>
+                      <a:pPr marL="0" marR="0">
+                        <a:spcBef>
+                          <a:spcPts val="0"/>
+                        </a:spcBef>
+                        <a:spcAft>
+                          <a:spcPts val="0"/>
+                        </a:spcAft>
+                      </a:pPr>
+                      <a:r>
+                        <a:rPr lang="en-US" sz="1200">
+                          <a:effectLst/>
+                        </a:rPr>
+                        <a:t>Yes</a:t>
+                      </a:r>
+                      <a:endParaRPr lang="en-US" sz="1200">
+                        <a:effectLst/>
+                        <a:latin typeface="Times New Roman" panose="02020603050405020304" pitchFamily="18" charset="0"/>
+                        <a:ea typeface="Times New Roman" panose="02020603050405020304" pitchFamily="18" charset="0"/>
+                        <a:cs typeface="Arial" panose="020B0604020202020204" pitchFamily="34" charset="0"/>
+                      </a:endParaRPr>
+                    </a:p>
+                  </a:txBody>
+                  <a:tcPr marL="73025" marR="73025" marT="0" marB="0" anchor="ctr"/>
+                </a:tc>
+                <a:extLst>
+                  <a:ext uri="{0D108BD9-81ED-4DB2-BD59-A6C34878D82A}">
+                    <a16:rowId xmlns:a16="http://schemas.microsoft.com/office/drawing/2014/main" val="1840222313"/>
+                  </a:ext>
+                </a:extLst>
+              </a:tr>
+              <a:tr h="736600">
+                <a:tc>
+                  <a:txBody>
+                    <a:bodyPr/>
+                    <a:lstStyle/>
+                    <a:p>
+                      <a:pPr marL="0" marR="0">
+                        <a:spcBef>
+                          <a:spcPts val="0"/>
+                        </a:spcBef>
+                        <a:spcAft>
+                          <a:spcPts val="0"/>
+                        </a:spcAft>
+                      </a:pPr>
+                      <a:r>
+                        <a:rPr lang="en-US" sz="1200">
+                          <a:effectLst/>
+                        </a:rPr>
+                        <a:t>Optimality </a:t>
+                      </a:r>
+                      <a:endParaRPr lang="en-US" sz="1200">
+                        <a:effectLst/>
+                        <a:latin typeface="Times New Roman" panose="02020603050405020304" pitchFamily="18" charset="0"/>
+                        <a:ea typeface="Times New Roman" panose="02020603050405020304" pitchFamily="18" charset="0"/>
+                        <a:cs typeface="Arial" panose="020B0604020202020204" pitchFamily="34" charset="0"/>
+                      </a:endParaRPr>
+                    </a:p>
+                  </a:txBody>
+                  <a:tcPr marL="73025" marR="73025" marT="0" marB="0" anchor="ctr"/>
+                </a:tc>
+                <a:tc>
+                  <a:txBody>
+                    <a:bodyPr/>
+                    <a:lstStyle/>
+                    <a:p>
+                      <a:pPr marL="0" marR="0">
+                        <a:spcBef>
+                          <a:spcPts val="0"/>
+                        </a:spcBef>
+                        <a:spcAft>
+                          <a:spcPts val="0"/>
+                        </a:spcAft>
+                      </a:pPr>
+                      <a:r>
+                        <a:rPr lang="en-US" sz="1200">
+                          <a:effectLst/>
+                        </a:rPr>
+                        <a:t>No, but it finds the optimal solution in only current state. </a:t>
+                      </a:r>
+                      <a:endParaRPr lang="en-US" sz="1200">
+                        <a:effectLst/>
+                        <a:latin typeface="Times New Roman" panose="02020603050405020304" pitchFamily="18" charset="0"/>
+                        <a:ea typeface="Times New Roman" panose="02020603050405020304" pitchFamily="18" charset="0"/>
+                        <a:cs typeface="Arial" panose="020B0604020202020204" pitchFamily="34" charset="0"/>
+                      </a:endParaRPr>
+                    </a:p>
+                  </a:txBody>
+                  <a:tcPr marL="73025" marR="73025" marT="0" marB="0" anchor="ctr"/>
+                </a:tc>
+                <a:extLst>
+                  <a:ext uri="{0D108BD9-81ED-4DB2-BD59-A6C34878D82A}">
+                    <a16:rowId xmlns:a16="http://schemas.microsoft.com/office/drawing/2014/main" val="3988899311"/>
+                  </a:ext>
+                </a:extLst>
+              </a:tr>
+              <a:tr h="225425">
+                <a:tc>
+                  <a:txBody>
+                    <a:bodyPr/>
+                    <a:lstStyle/>
+                    <a:p>
+                      <a:pPr marL="0" marR="0">
+                        <a:spcBef>
+                          <a:spcPts val="0"/>
+                        </a:spcBef>
+                        <a:spcAft>
+                          <a:spcPts val="0"/>
+                        </a:spcAft>
+                      </a:pPr>
+                      <a:r>
+                        <a:rPr lang="en-US" sz="1200">
+                          <a:effectLst/>
+                        </a:rPr>
+                        <a:t>Time complexity</a:t>
+                      </a:r>
+                      <a:endParaRPr lang="en-US" sz="1200">
+                        <a:effectLst/>
+                        <a:latin typeface="Times New Roman" panose="02020603050405020304" pitchFamily="18" charset="0"/>
+                        <a:ea typeface="Times New Roman" panose="02020603050405020304" pitchFamily="18" charset="0"/>
+                        <a:cs typeface="Arial" panose="020B0604020202020204" pitchFamily="34" charset="0"/>
+                      </a:endParaRPr>
+                    </a:p>
+                  </a:txBody>
+                  <a:tcPr marL="73025" marR="73025" marT="0" marB="0" anchor="ctr"/>
+                </a:tc>
+                <a:tc>
+                  <a:txBody>
+                    <a:bodyPr/>
+                    <a:lstStyle/>
+                    <a:p>
+                      <a:pPr marL="0" marR="0">
+                        <a:spcBef>
+                          <a:spcPts val="0"/>
+                        </a:spcBef>
+                        <a:spcAft>
+                          <a:spcPts val="0"/>
+                        </a:spcAft>
+                      </a:pPr>
+                      <a:r>
+                        <a:rPr lang="en-US" sz="1200">
+                          <a:effectLst/>
+                        </a:rPr>
+                        <a:t>O(mkI/C) </a:t>
+                      </a:r>
+                      <a:r>
+                        <a:rPr lang="en-US" sz="1150">
+                          <a:effectLst/>
+                        </a:rPr>
+                        <a:t>where </a:t>
+                      </a:r>
+                      <a:r>
+                        <a:rPr lang="en-US" sz="1350">
+                          <a:effectLst/>
+                        </a:rPr>
+                        <a:t>m</a:t>
+                      </a:r>
+                      <a:r>
+                        <a:rPr lang="en-US" sz="1150">
+                          <a:effectLst/>
+                        </a:rPr>
+                        <a:t>m is the number of random children to consider per search and </a:t>
+                      </a:r>
+                      <a:r>
+                        <a:rPr lang="en-US" sz="1350">
+                          <a:effectLst/>
+                        </a:rPr>
+                        <a:t>k</a:t>
+                      </a:r>
+                      <a:r>
+                        <a:rPr lang="en-US" sz="1150">
+                          <a:effectLst/>
+                        </a:rPr>
+                        <a:t>k is the number of parallel searches, and </a:t>
+                      </a:r>
+                      <a:r>
+                        <a:rPr lang="en-US" sz="1350">
+                          <a:effectLst/>
+                        </a:rPr>
+                        <a:t>I</a:t>
+                      </a:r>
+                      <a:r>
+                        <a:rPr lang="en-US" sz="1150">
+                          <a:effectLst/>
+                        </a:rPr>
+                        <a:t>I is the number of iterations and </a:t>
+                      </a:r>
+                      <a:r>
+                        <a:rPr lang="en-US" sz="1350">
+                          <a:effectLst/>
+                        </a:rPr>
+                        <a:t>C</a:t>
+                      </a:r>
+                      <a:r>
+                        <a:rPr lang="en-US" sz="1150">
+                          <a:effectLst/>
+                        </a:rPr>
+                        <a:t>C is the number of cores available.</a:t>
+                      </a:r>
+                      <a:endParaRPr lang="en-US" sz="1200">
+                        <a:effectLst/>
+                        <a:latin typeface="Times New Roman" panose="02020603050405020304" pitchFamily="18" charset="0"/>
+                        <a:ea typeface="Times New Roman" panose="02020603050405020304" pitchFamily="18" charset="0"/>
+                        <a:cs typeface="Arial" panose="020B0604020202020204" pitchFamily="34" charset="0"/>
+                      </a:endParaRPr>
+                    </a:p>
+                  </a:txBody>
+                  <a:tcPr marL="73025" marR="73025" marT="0" marB="0"/>
+                </a:tc>
+                <a:extLst>
+                  <a:ext uri="{0D108BD9-81ED-4DB2-BD59-A6C34878D82A}">
+                    <a16:rowId xmlns:a16="http://schemas.microsoft.com/office/drawing/2014/main" val="1021815352"/>
+                  </a:ext>
+                </a:extLst>
+              </a:tr>
+              <a:tr h="225425">
+                <a:tc>
+                  <a:txBody>
+                    <a:bodyPr/>
+                    <a:lstStyle/>
+                    <a:p>
+                      <a:pPr marL="0" marR="0">
+                        <a:spcBef>
+                          <a:spcPts val="0"/>
+                        </a:spcBef>
+                        <a:spcAft>
+                          <a:spcPts val="0"/>
+                        </a:spcAft>
+                      </a:pPr>
+                      <a:r>
+                        <a:rPr lang="en-US" sz="1200">
+                          <a:effectLst/>
+                        </a:rPr>
+                        <a:t>Space complexity</a:t>
+                      </a:r>
+                      <a:endParaRPr lang="en-US" sz="1200">
+                        <a:effectLst/>
+                        <a:latin typeface="Times New Roman" panose="02020603050405020304" pitchFamily="18" charset="0"/>
+                        <a:ea typeface="Times New Roman" panose="02020603050405020304" pitchFamily="18" charset="0"/>
+                        <a:cs typeface="Arial" panose="020B0604020202020204" pitchFamily="34" charset="0"/>
+                      </a:endParaRPr>
+                    </a:p>
+                  </a:txBody>
+                  <a:tcPr marL="73025" marR="73025" marT="0" marB="0" anchor="ctr"/>
+                </a:tc>
+                <a:tc>
+                  <a:txBody>
+                    <a:bodyPr/>
+                    <a:lstStyle/>
+                    <a:p>
+                      <a:pPr marL="0" marR="0">
+                        <a:spcBef>
+                          <a:spcPts val="0"/>
+                        </a:spcBef>
+                        <a:spcAft>
+                          <a:spcPts val="0"/>
+                        </a:spcAft>
+                      </a:pPr>
+                      <a:r>
+                        <a:rPr lang="en-US" sz="1200" dirty="0">
+                          <a:effectLst/>
+                        </a:rPr>
+                        <a:t>O(</a:t>
+                      </a:r>
+                      <a:r>
+                        <a:rPr lang="en-US" sz="1200" dirty="0" err="1">
+                          <a:effectLst/>
+                        </a:rPr>
+                        <a:t>mk</a:t>
+                      </a:r>
+                      <a:r>
+                        <a:rPr lang="en-US" sz="1200" dirty="0">
+                          <a:effectLst/>
+                        </a:rPr>
+                        <a:t>) </a:t>
+                      </a:r>
+                      <a:r>
+                        <a:rPr lang="en-US" sz="1150" dirty="0">
+                          <a:effectLst/>
+                        </a:rPr>
+                        <a:t>since in each iteration we map </a:t>
+                      </a:r>
+                      <a:r>
+                        <a:rPr lang="en-US" sz="1150" dirty="0" err="1">
+                          <a:effectLst/>
+                        </a:rPr>
+                        <a:t>mk</a:t>
+                      </a:r>
+                      <a:r>
+                        <a:rPr lang="en-US" sz="1150" dirty="0">
+                          <a:effectLst/>
+                        </a:rPr>
+                        <a:t> states over the cluster.</a:t>
+                      </a:r>
+                      <a:endParaRPr lang="en-US" sz="1200" dirty="0">
+                        <a:effectLst/>
+                        <a:latin typeface="Times New Roman" panose="02020603050405020304" pitchFamily="18" charset="0"/>
+                        <a:ea typeface="Times New Roman" panose="02020603050405020304" pitchFamily="18" charset="0"/>
+                        <a:cs typeface="Arial" panose="020B0604020202020204" pitchFamily="34" charset="0"/>
+                      </a:endParaRPr>
+                    </a:p>
+                  </a:txBody>
+                  <a:tcPr marL="73025" marR="73025" marT="0" marB="0"/>
+                </a:tc>
+                <a:extLst>
+                  <a:ext uri="{0D108BD9-81ED-4DB2-BD59-A6C34878D82A}">
+                    <a16:rowId xmlns:a16="http://schemas.microsoft.com/office/drawing/2014/main" val="1581223005"/>
+                  </a:ext>
+                </a:extLst>
+              </a:tr>
+            </a:tbl>
+          </a:graphicData>
+        </a:graphic>
+      </p:graphicFrame>
+      <p:sp>
+        <p:nvSpPr>
+          <p:cNvPr id="5" name="Rectangle 1">
+            <a:extLst>
+              <a:ext uri="{FF2B5EF4-FFF2-40B4-BE49-F238E27FC236}">
+                <a16:creationId xmlns:a16="http://schemas.microsoft.com/office/drawing/2014/main" id="{E2291712-4DF7-4299-963E-0172E19B9C44}"/>
+              </a:ext>
+            </a:extLst>
+          </p:cNvPr>
+          <p:cNvSpPr>
+            <a:spLocks noChangeArrowheads="1"/>
+          </p:cNvSpPr>
+          <p:nvPr/>
+        </p:nvSpPr>
+        <p:spPr bwMode="auto">
+          <a:xfrm>
+            <a:off x="3218159" y="2322871"/>
+            <a:ext cx="12192000" cy="457200"/>
+          </a:xfrm>
+          <a:prstGeom prst="rect">
+            <a:avLst/>
+          </a:prstGeom>
+          <a:noFill/>
+          <a:ln>
+            <a:noFill/>
+          </a:ln>
+          <a:effectLst/>
+          <a:extLst>
+            <a:ext uri="{909E8E84-426E-40DD-AFC4-6F175D3DCCD1}">
+              <a14:hiddenFill xmlns:a14="http://schemas.microsoft.com/office/drawing/2010/main">
+                <a:solidFill>
+                  <a:schemeClr val="accent1"/>
+                </a:solidFill>
+              </a14:hiddenFill>
+            </a:ext>
+            <a:ext uri="{91240B29-F687-4F45-9708-019B960494DF}">
+              <a14:hiddenLine xmlns:a14="http://schemas.microsoft.com/office/drawing/2010/main" w="9525">
+                <a:solidFill>
+                  <a:schemeClr val="tx1"/>
+                </a:solidFill>
+                <a:miter lim="800000"/>
+                <a:headEnd/>
+                <a:tailEnd/>
+              </a14:hiddenLine>
+            </a:ext>
+            <a:ext uri="{AF507438-7753-43E0-B8FC-AC1667EBCBE1}">
+              <a14:hiddenEffects xmlns:a14="http://schemas.microsoft.com/office/drawing/2010/main">
+                <a:effectLst>
+                  <a:outerShdw dist="35921" dir="2700000" algn="ctr" rotWithShape="0">
+                    <a:schemeClr val="bg2"/>
+                  </a:outerShdw>
+                </a:effectLst>
+              </a14:hiddenEffects>
+            </a:ext>
+          </a:extLst>
+        </p:spPr>
+        <p:txBody>
+          <a:bodyPr vert="horz" wrap="none" lIns="0" tIns="126960" rIns="0" bIns="0" numCol="1" anchor="ctr" anchorCtr="0" compatLnSpc="1">
+            <a:prstTxWarp prst="textNoShape">
+              <a:avLst/>
+            </a:prstTxWarp>
+            <a:spAutoFit/>
+          </a:bodyPr>
+          <a:lstStyle/>
+          <a:p>
+            <a:pPr marL="0" marR="0" lvl="0" indent="0" algn="l" defTabSz="914400" rtl="0" eaLnBrk="0" fontAlgn="base" latinLnBrk="0" hangingPunct="0">
+              <a:lnSpc>
+                <a:spcPct val="100000"/>
+              </a:lnSpc>
+              <a:spcBef>
+                <a:spcPct val="0"/>
+              </a:spcBef>
+              <a:spcAft>
+                <a:spcPct val="0"/>
+              </a:spcAft>
+              <a:buClrTx/>
+              <a:buSzTx/>
+              <a:buFontTx/>
+              <a:buNone/>
+              <a:tabLst/>
+            </a:pPr>
+            <a:r>
+              <a:rPr kumimoji="0" lang="en-US" altLang="en-US" sz="1300" b="1" i="0" u="none" strike="noStrike" cap="none" normalizeH="0" baseline="0" dirty="0">
+                <a:ln>
+                  <a:noFill/>
+                </a:ln>
+                <a:solidFill>
+                  <a:srgbClr val="1F3864"/>
+                </a:solidFill>
+                <a:effectLst/>
+                <a:latin typeface="Calibri Light" panose="020F0302020204030204" pitchFamily="34" charset="0"/>
+                <a:ea typeface="Yu Gothic Light" panose="020B0300000000000000" pitchFamily="34" charset="-128"/>
+                <a:cs typeface="Times New Roman" panose="02020603050405020304" pitchFamily="18" charset="0"/>
+              </a:rPr>
+              <a:t>2</a:t>
+            </a:r>
+            <a:r>
+              <a:rPr kumimoji="0" lang="en-US" altLang="en-US" sz="1300" b="1" i="0" u="none" strike="noStrike" cap="none" normalizeH="0" baseline="0" dirty="0" bmk="">
+                <a:ln>
+                  <a:noFill/>
+                </a:ln>
+                <a:solidFill>
+                  <a:srgbClr val="1F3864"/>
+                </a:solidFill>
+                <a:effectLst/>
+                <a:latin typeface="Calibri Light" panose="020F0302020204030204" pitchFamily="34" charset="0"/>
+                <a:ea typeface="Yu Gothic Light" panose="020B0300000000000000" pitchFamily="34" charset="-128"/>
+                <a:cs typeface="Times New Roman" panose="02020603050405020304" pitchFamily="18" charset="0"/>
+              </a:rPr>
+              <a:t>.3 MCTS Algorithm Evaluation</a:t>
+            </a:r>
+            <a:endParaRPr kumimoji="0" lang="en-US" altLang="en-US" sz="1300" b="1" i="0" u="none" strike="noStrike" cap="none" normalizeH="0" baseline="0" dirty="0">
+              <a:ln>
+                <a:noFill/>
+              </a:ln>
+              <a:solidFill>
+                <a:srgbClr val="4472C4"/>
+              </a:solidFill>
+              <a:effectLst/>
+              <a:latin typeface="Calibri Light" panose="020F0302020204030204" pitchFamily="34" charset="0"/>
+              <a:ea typeface="Yu Gothic Light" panose="020B0300000000000000" pitchFamily="34" charset="-128"/>
+              <a:cs typeface="Times New Roman" panose="02020603050405020304" pitchFamily="18" charset="0"/>
+            </a:endParaRPr>
+          </a:p>
+          <a:p>
+            <a:pPr marL="0" marR="0" lvl="0" indent="0" algn="l" defTabSz="914400" rtl="0" eaLnBrk="0" fontAlgn="base" latinLnBrk="0" hangingPunct="0">
+              <a:lnSpc>
+                <a:spcPct val="100000"/>
+              </a:lnSpc>
+              <a:spcBef>
+                <a:spcPct val="0"/>
+              </a:spcBef>
+              <a:spcAft>
+                <a:spcPct val="0"/>
+              </a:spcAft>
+              <a:buClrTx/>
+              <a:buSzTx/>
+              <a:buFontTx/>
+              <a:buNone/>
+              <a:tabLst/>
+            </a:pPr>
+            <a:endParaRPr kumimoji="0" lang="en-US" altLang="en-US" sz="1800" b="0" i="0" u="none" strike="noStrike" cap="none" normalizeH="0" baseline="0" dirty="0">
+              <a:ln>
+                <a:noFill/>
+              </a:ln>
+              <a:solidFill>
+                <a:schemeClr val="tx1"/>
+              </a:solidFill>
+              <a:effectLst/>
+              <a:latin typeface="Arial" panose="020B0604020202020204" pitchFamily="34" charset="0"/>
+            </a:endParaRPr>
+          </a:p>
+        </p:txBody>
+      </p:sp>
+    </p:spTree>
+    <p:extLst>
+      <p:ext uri="{BB962C8B-B14F-4D97-AF65-F5344CB8AC3E}">
+        <p14:creationId xmlns:p14="http://schemas.microsoft.com/office/powerpoint/2010/main" val="3766592378"/>
+      </p:ext>
+    </p:extLst>
+  </p:cSld>
+  <p:clrMapOvr>
+    <a:masterClrMapping/>
+  </p:clrMapOvr>
+</p:sld>
+</file>
+
 <file path=ppt/theme/theme1.xml><?xml version="1.0" encoding="utf-8"?>
 <a:theme xmlns:a="http://schemas.openxmlformats.org/drawingml/2006/main" name="Office Theme">
   <a:themeElements>
